--- a/finalChatGPT_Cancer_Epi_Personal_Projects.pptx
+++ b/finalChatGPT_Cancer_Epi_Personal_Projects.pptx
@@ -11,10 +11,11 @@
     <p:sldId id="259" r:id="rId5"/>
     <p:sldId id="260" r:id="rId6"/>
     <p:sldId id="263" r:id="rId7"/>
-    <p:sldId id="264" r:id="rId8"/>
-    <p:sldId id="265" r:id="rId9"/>
-    <p:sldId id="266" r:id="rId10"/>
-    <p:sldId id="268" r:id="rId11"/>
+    <p:sldId id="269" r:id="rId8"/>
+    <p:sldId id="264" r:id="rId9"/>
+    <p:sldId id="265" r:id="rId10"/>
+    <p:sldId id="266" r:id="rId11"/>
+    <p:sldId id="268" r:id="rId12"/>
   </p:sldIdLst>
   <p:sldSz cx="9144000" cy="6858000" type="screen4x3"/>
   <p:notesSz cx="6858000" cy="9144000"/>
@@ -1627,15 +1628,15 @@
 </file>
 
 <file path=ppt/diagrams/colors3.xml><?xml version="1.0" encoding="utf-8"?>
-<dgm:colorsDef xmlns:dgm="http://schemas.openxmlformats.org/drawingml/2006/diagram" xmlns:a="http://schemas.openxmlformats.org/drawingml/2006/main" uniqueId="urn:microsoft.com/office/officeart/2018/5/colors/Iconchunking_neutralbg_accent1_2">
+<dgm:colorsDef xmlns:dgm="http://schemas.openxmlformats.org/drawingml/2006/diagram" xmlns:a="http://schemas.openxmlformats.org/drawingml/2006/main" uniqueId="urn:microsoft.com/office/officeart/2018/5/colors/Iconchunking_neutralbg_colorful5">
   <dgm:title val=""/>
   <dgm:desc val=""/>
   <dgm:catLst>
-    <dgm:cat type="accent1" pri="11200"/>
+    <dgm:cat type="colorful" pri="10500"/>
   </dgm:catLst>
   <dgm:styleLbl name="node0">
     <dgm:fillClrLst meth="repeat">
-      <a:schemeClr val="accent1"/>
+      <a:schemeClr val="accent4"/>
     </dgm:fillClrLst>
     <dgm:linClrLst meth="repeat">
       <a:schemeClr val="lt1"/>
@@ -1645,21 +1646,10 @@
     <dgm:txFillClrLst/>
     <dgm:txEffectClrLst/>
   </dgm:styleLbl>
-  <dgm:styleLbl name="alignNode1">
-    <dgm:fillClrLst meth="repeat">
-      <a:schemeClr val="accent1"/>
-    </dgm:fillClrLst>
-    <dgm:linClrLst meth="repeat">
-      <a:schemeClr val="accent1"/>
-    </dgm:linClrLst>
-    <dgm:effectClrLst/>
-    <dgm:txLinClrLst/>
-    <dgm:txFillClrLst/>
-    <dgm:txEffectClrLst/>
-  </dgm:styleLbl>
   <dgm:styleLbl name="node1">
-    <dgm:fillClrLst meth="repeat">
-      <a:schemeClr val="accent1"/>
+    <dgm:fillClrLst>
+      <a:schemeClr val="accent5"/>
+      <a:schemeClr val="accent6"/>
     </dgm:fillClrLst>
     <dgm:linClrLst meth="repeat">
       <a:schemeClr val="lt1">
@@ -1671,8 +1661,64 @@
     <dgm:txFillClrLst/>
     <dgm:txEffectClrLst/>
   </dgm:styleLbl>
+  <dgm:styleLbl name="alignNode1">
+    <dgm:fillClrLst>
+      <a:schemeClr val="accent5"/>
+      <a:schemeClr val="accent6"/>
+    </dgm:fillClrLst>
+    <dgm:linClrLst>
+      <a:schemeClr val="accent5"/>
+      <a:schemeClr val="accent6"/>
+    </dgm:linClrLst>
+    <dgm:effectClrLst/>
+    <dgm:txLinClrLst/>
+    <dgm:txFillClrLst/>
+    <dgm:txEffectClrLst/>
+  </dgm:styleLbl>
   <dgm:styleLbl name="lnNode1">
-    <dgm:fillClrLst meth="repeat">
+    <dgm:fillClrLst>
+      <a:schemeClr val="accent5"/>
+      <a:schemeClr val="accent6"/>
+    </dgm:fillClrLst>
+    <dgm:linClrLst meth="repeat">
+      <a:schemeClr val="lt1"/>
+    </dgm:linClrLst>
+    <dgm:effectClrLst/>
+    <dgm:txLinClrLst/>
+    <dgm:txFillClrLst/>
+    <dgm:txEffectClrLst/>
+  </dgm:styleLbl>
+  <dgm:styleLbl name="vennNode1">
+    <dgm:fillClrLst>
+      <a:schemeClr val="accent5">
+        <a:alpha val="50000"/>
+      </a:schemeClr>
+      <a:schemeClr val="accent6">
+        <a:alpha val="50000"/>
+      </a:schemeClr>
+    </dgm:fillClrLst>
+    <dgm:linClrLst meth="repeat">
+      <a:schemeClr val="lt1"/>
+    </dgm:linClrLst>
+    <dgm:effectClrLst/>
+    <dgm:txLinClrLst/>
+    <dgm:txFillClrLst/>
+    <dgm:txEffectClrLst/>
+  </dgm:styleLbl>
+  <dgm:styleLbl name="node2">
+    <dgm:fillClrLst>
+      <a:schemeClr val="accent6"/>
+    </dgm:fillClrLst>
+    <dgm:linClrLst meth="repeat">
+      <a:schemeClr val="lt1"/>
+    </dgm:linClrLst>
+    <dgm:effectClrLst/>
+    <dgm:txLinClrLst/>
+    <dgm:txFillClrLst/>
+    <dgm:txEffectClrLst/>
+  </dgm:styleLbl>
+  <dgm:styleLbl name="node3">
+    <dgm:fillClrLst>
       <a:schemeClr val="accent1"/>
     </dgm:fillClrLst>
     <dgm:linClrLst meth="repeat">
@@ -1683,11 +1729,9 @@
     <dgm:txFillClrLst/>
     <dgm:txEffectClrLst/>
   </dgm:styleLbl>
-  <dgm:styleLbl name="vennNode1">
-    <dgm:fillClrLst meth="repeat">
-      <a:schemeClr val="accent1">
-        <a:alpha val="50000"/>
-      </a:schemeClr>
+  <dgm:styleLbl name="node4">
+    <dgm:fillClrLst>
+      <a:schemeClr val="accent2"/>
     </dgm:fillClrLst>
     <dgm:linClrLst meth="repeat">
       <a:schemeClr val="lt1"/>
@@ -1697,45 +1741,12 @@
     <dgm:txFillClrLst/>
     <dgm:txEffectClrLst/>
   </dgm:styleLbl>
-  <dgm:styleLbl name="node2">
-    <dgm:fillClrLst meth="repeat">
-      <a:schemeClr val="accent1"/>
-    </dgm:fillClrLst>
-    <dgm:linClrLst meth="repeat">
-      <a:schemeClr val="lt1"/>
-    </dgm:linClrLst>
-    <dgm:effectClrLst/>
-    <dgm:txLinClrLst/>
-    <dgm:txFillClrLst/>
-    <dgm:txEffectClrLst/>
-  </dgm:styleLbl>
-  <dgm:styleLbl name="node3">
-    <dgm:fillClrLst meth="repeat">
-      <a:schemeClr val="accent1"/>
-    </dgm:fillClrLst>
-    <dgm:linClrLst meth="repeat">
-      <a:schemeClr val="lt1"/>
-    </dgm:linClrLst>
-    <dgm:effectClrLst/>
-    <dgm:txLinClrLst/>
-    <dgm:txFillClrLst/>
-    <dgm:txEffectClrLst/>
-  </dgm:styleLbl>
-  <dgm:styleLbl name="node4">
-    <dgm:fillClrLst meth="repeat">
-      <a:schemeClr val="accent1"/>
-    </dgm:fillClrLst>
-    <dgm:linClrLst meth="repeat">
-      <a:schemeClr val="lt1"/>
-    </dgm:linClrLst>
-    <dgm:effectClrLst/>
-    <dgm:txLinClrLst/>
-    <dgm:txFillClrLst/>
-    <dgm:txEffectClrLst/>
-  </dgm:styleLbl>
   <dgm:styleLbl name="fgImgPlace1">
-    <dgm:fillClrLst meth="repeat">
-      <a:schemeClr val="accent1">
+    <dgm:fillClrLst>
+      <a:schemeClr val="accent5">
+        <a:tint val="50000"/>
+      </a:schemeClr>
+      <a:schemeClr val="accent6">
         <a:tint val="50000"/>
       </a:schemeClr>
     </dgm:fillClrLst>
@@ -1750,9 +1761,12 @@
     <dgm:txEffectClrLst/>
   </dgm:styleLbl>
   <dgm:styleLbl name="alignImgPlace1">
-    <dgm:fillClrLst meth="repeat">
-      <a:schemeClr val="accent1">
+    <dgm:fillClrLst>
+      <a:schemeClr val="accent5">
         <a:tint val="50000"/>
+      </a:schemeClr>
+      <a:schemeClr val="accent6">
+        <a:tint val="20000"/>
       </a:schemeClr>
     </dgm:fillClrLst>
     <dgm:linClrLst meth="repeat">
@@ -1766,9 +1780,12 @@
     <dgm:txEffectClrLst/>
   </dgm:styleLbl>
   <dgm:styleLbl name="bgImgPlace1">
-    <dgm:fillClrLst meth="repeat">
-      <a:schemeClr val="accent1">
+    <dgm:fillClrLst>
+      <a:schemeClr val="accent5">
         <a:tint val="50000"/>
+      </a:schemeClr>
+      <a:schemeClr val="accent6">
+        <a:tint val="20000"/>
       </a:schemeClr>
     </dgm:fillClrLst>
     <dgm:linClrLst meth="repeat">
@@ -1782,15 +1799,12 @@
     <dgm:txEffectClrLst/>
   </dgm:styleLbl>
   <dgm:styleLbl name="sibTrans2D1">
-    <dgm:fillClrLst meth="repeat">
-      <a:schemeClr val="accent1">
-        <a:tint val="60000"/>
-      </a:schemeClr>
-    </dgm:fillClrLst>
-    <dgm:linClrLst meth="repeat">
-      <a:schemeClr val="accent1">
-        <a:tint val="60000"/>
-      </a:schemeClr>
+    <dgm:fillClrLst>
+      <a:schemeClr val="accent5"/>
+      <a:schemeClr val="accent6"/>
+    </dgm:fillClrLst>
+    <dgm:linClrLst meth="repeat">
+      <a:schemeClr val="lt1"/>
     </dgm:linClrLst>
     <dgm:effectClrLst/>
     <dgm:txLinClrLst/>
@@ -1798,43 +1812,40 @@
     <dgm:txEffectClrLst/>
   </dgm:styleLbl>
   <dgm:styleLbl name="fgSibTrans2D1">
-    <dgm:fillClrLst meth="repeat">
-      <a:schemeClr val="accent1">
-        <a:tint val="60000"/>
-      </a:schemeClr>
-    </dgm:fillClrLst>
-    <dgm:linClrLst meth="repeat">
-      <a:schemeClr val="accent1">
-        <a:tint val="60000"/>
-      </a:schemeClr>
-    </dgm:linClrLst>
-    <dgm:effectClrLst/>
-    <dgm:txLinClrLst/>
-    <dgm:txFillClrLst/>
+    <dgm:fillClrLst>
+      <a:schemeClr val="accent5"/>
+      <a:schemeClr val="accent6"/>
+    </dgm:fillClrLst>
+    <dgm:linClrLst meth="repeat">
+      <a:schemeClr val="lt1"/>
+    </dgm:linClrLst>
+    <dgm:effectClrLst/>
+    <dgm:txLinClrLst/>
+    <dgm:txFillClrLst meth="repeat">
+      <a:schemeClr val="lt1"/>
+    </dgm:txFillClrLst>
     <dgm:txEffectClrLst/>
   </dgm:styleLbl>
   <dgm:styleLbl name="bgSibTrans2D1">
-    <dgm:fillClrLst meth="repeat">
-      <a:schemeClr val="accent1">
-        <a:tint val="60000"/>
-      </a:schemeClr>
-    </dgm:fillClrLst>
-    <dgm:linClrLst meth="repeat">
-      <a:schemeClr val="accent1">
-        <a:tint val="60000"/>
-      </a:schemeClr>
-    </dgm:linClrLst>
-    <dgm:effectClrLst/>
-    <dgm:txLinClrLst/>
-    <dgm:txFillClrLst/>
+    <dgm:fillClrLst>
+      <a:schemeClr val="accent5"/>
+      <a:schemeClr val="accent6"/>
+    </dgm:fillClrLst>
+    <dgm:linClrLst meth="repeat">
+      <a:schemeClr val="lt1"/>
+    </dgm:linClrLst>
+    <dgm:effectClrLst/>
+    <dgm:txLinClrLst/>
+    <dgm:txFillClrLst meth="repeat">
+      <a:schemeClr val="lt1"/>
+    </dgm:txFillClrLst>
     <dgm:txEffectClrLst/>
   </dgm:styleLbl>
   <dgm:styleLbl name="sibTrans1D1">
-    <dgm:fillClrLst meth="repeat">
-      <a:schemeClr val="accent1"/>
-    </dgm:fillClrLst>
-    <dgm:linClrLst meth="repeat">
-      <a:schemeClr val="accent1"/>
+    <dgm:fillClrLst/>
+    <dgm:linClrLst>
+      <a:schemeClr val="accent5"/>
+      <a:schemeClr val="accent6"/>
     </dgm:linClrLst>
     <dgm:effectClrLst/>
     <dgm:txLinClrLst/>
@@ -1845,10 +1856,10 @@
   </dgm:styleLbl>
   <dgm:styleLbl name="callout">
     <dgm:fillClrLst meth="repeat">
-      <a:schemeClr val="accent1"/>
-    </dgm:fillClrLst>
-    <dgm:linClrLst meth="repeat">
-      <a:schemeClr val="accent1">
+      <a:schemeClr val="accent5"/>
+    </dgm:fillClrLst>
+    <dgm:linClrLst meth="repeat">
+      <a:schemeClr val="accent5">
         <a:tint val="50000"/>
       </a:schemeClr>
     </dgm:linClrLst>
@@ -1861,6 +1872,34 @@
   </dgm:styleLbl>
   <dgm:styleLbl name="asst0">
     <dgm:fillClrLst meth="repeat">
+      <a:schemeClr val="accent5"/>
+    </dgm:fillClrLst>
+    <dgm:linClrLst meth="repeat">
+      <a:schemeClr val="lt1">
+        <a:shade val="80000"/>
+      </a:schemeClr>
+    </dgm:linClrLst>
+    <dgm:effectClrLst/>
+    <dgm:txLinClrLst/>
+    <dgm:txFillClrLst/>
+    <dgm:txEffectClrLst/>
+  </dgm:styleLbl>
+  <dgm:styleLbl name="asst1">
+    <dgm:fillClrLst meth="repeat">
+      <a:schemeClr val="accent6"/>
+    </dgm:fillClrLst>
+    <dgm:linClrLst meth="repeat">
+      <a:schemeClr val="lt1">
+        <a:shade val="80000"/>
+      </a:schemeClr>
+    </dgm:linClrLst>
+    <dgm:effectClrLst/>
+    <dgm:txLinClrLst/>
+    <dgm:txFillClrLst/>
+    <dgm:txEffectClrLst/>
+  </dgm:styleLbl>
+  <dgm:styleLbl name="asst2">
+    <dgm:fillClrLst>
       <a:schemeClr val="accent1"/>
     </dgm:fillClrLst>
     <dgm:linClrLst meth="repeat">
@@ -1871,9 +1910,9 @@
     <dgm:txFillClrLst/>
     <dgm:txEffectClrLst/>
   </dgm:styleLbl>
-  <dgm:styleLbl name="asst1">
-    <dgm:fillClrLst meth="repeat">
-      <a:schemeClr val="accent1"/>
+  <dgm:styleLbl name="asst3">
+    <dgm:fillClrLst>
+      <a:schemeClr val="accent2"/>
     </dgm:fillClrLst>
     <dgm:linClrLst meth="repeat">
       <a:schemeClr val="lt1"/>
@@ -1883,9 +1922,9 @@
     <dgm:txFillClrLst/>
     <dgm:txEffectClrLst/>
   </dgm:styleLbl>
-  <dgm:styleLbl name="asst2">
-    <dgm:fillClrLst meth="repeat">
-      <a:schemeClr val="accent1"/>
+  <dgm:styleLbl name="asst4">
+    <dgm:fillClrLst>
+      <a:schemeClr val="accent3"/>
     </dgm:fillClrLst>
     <dgm:linClrLst meth="repeat">
       <a:schemeClr val="lt1"/>
@@ -1895,40 +1934,12 @@
     <dgm:txFillClrLst/>
     <dgm:txEffectClrLst/>
   </dgm:styleLbl>
-  <dgm:styleLbl name="asst3">
-    <dgm:fillClrLst meth="repeat">
-      <a:schemeClr val="accent1"/>
+  <dgm:styleLbl name="parChTrans2D1">
+    <dgm:fillClrLst meth="repeat">
+      <a:schemeClr val="accent5"/>
     </dgm:fillClrLst>
     <dgm:linClrLst meth="repeat">
       <a:schemeClr val="lt1"/>
-    </dgm:linClrLst>
-    <dgm:effectClrLst/>
-    <dgm:txLinClrLst/>
-    <dgm:txFillClrLst/>
-    <dgm:txEffectClrLst/>
-  </dgm:styleLbl>
-  <dgm:styleLbl name="asst4">
-    <dgm:fillClrLst meth="repeat">
-      <a:schemeClr val="accent1"/>
-    </dgm:fillClrLst>
-    <dgm:linClrLst meth="repeat">
-      <a:schemeClr val="lt1"/>
-    </dgm:linClrLst>
-    <dgm:effectClrLst/>
-    <dgm:txLinClrLst/>
-    <dgm:txFillClrLst/>
-    <dgm:txEffectClrLst/>
-  </dgm:styleLbl>
-  <dgm:styleLbl name="parChTrans2D1">
-    <dgm:fillClrLst meth="repeat">
-      <a:schemeClr val="accent1">
-        <a:tint val="60000"/>
-      </a:schemeClr>
-    </dgm:fillClrLst>
-    <dgm:linClrLst meth="repeat">
-      <a:schemeClr val="accent1">
-        <a:tint val="60000"/>
-      </a:schemeClr>
     </dgm:linClrLst>
     <dgm:effectClrLst/>
     <dgm:txLinClrLst/>
@@ -1939,10 +1950,34 @@
   </dgm:styleLbl>
   <dgm:styleLbl name="parChTrans2D2">
     <dgm:fillClrLst meth="repeat">
+      <a:schemeClr val="accent6"/>
+    </dgm:fillClrLst>
+    <dgm:linClrLst meth="repeat">
+      <a:schemeClr val="lt1"/>
+    </dgm:linClrLst>
+    <dgm:effectClrLst/>
+    <dgm:txLinClrLst/>
+    <dgm:txFillClrLst/>
+    <dgm:txEffectClrLst/>
+  </dgm:styleLbl>
+  <dgm:styleLbl name="parChTrans2D3">
+    <dgm:fillClrLst meth="repeat">
+      <a:schemeClr val="accent6"/>
+    </dgm:fillClrLst>
+    <dgm:linClrLst meth="repeat">
+      <a:schemeClr val="lt1"/>
+    </dgm:linClrLst>
+    <dgm:effectClrLst/>
+    <dgm:txLinClrLst/>
+    <dgm:txFillClrLst/>
+    <dgm:txEffectClrLst/>
+  </dgm:styleLbl>
+  <dgm:styleLbl name="parChTrans2D4">
+    <dgm:fillClrLst meth="repeat">
       <a:schemeClr val="accent1"/>
     </dgm:fillClrLst>
     <dgm:linClrLst meth="repeat">
-      <a:schemeClr val="accent1"/>
+      <a:schemeClr val="lt1"/>
     </dgm:linClrLst>
     <dgm:effectClrLst/>
     <dgm:txLinClrLst/>
@@ -1951,12 +1986,369 @@
     </dgm:txFillClrLst>
     <dgm:txEffectClrLst/>
   </dgm:styleLbl>
-  <dgm:styleLbl name="parChTrans2D3">
-    <dgm:fillClrLst meth="repeat">
+  <dgm:styleLbl name="parChTrans1D1">
+    <dgm:fillClrLst meth="repeat">
+      <a:schemeClr val="accent5"/>
+    </dgm:fillClrLst>
+    <dgm:linClrLst meth="repeat">
+      <a:schemeClr val="accent5"/>
+    </dgm:linClrLst>
+    <dgm:effectClrLst/>
+    <dgm:txLinClrLst/>
+    <dgm:txFillClrLst meth="repeat">
+      <a:schemeClr val="tx1"/>
+    </dgm:txFillClrLst>
+    <dgm:txEffectClrLst/>
+  </dgm:styleLbl>
+  <dgm:styleLbl name="parChTrans1D2">
+    <dgm:fillClrLst meth="repeat">
+      <a:schemeClr val="accent6">
+        <a:tint val="90000"/>
+      </a:schemeClr>
+    </dgm:fillClrLst>
+    <dgm:linClrLst meth="repeat">
+      <a:schemeClr val="accent6"/>
+    </dgm:linClrLst>
+    <dgm:effectClrLst/>
+    <dgm:txLinClrLst/>
+    <dgm:txFillClrLst meth="repeat">
+      <a:schemeClr val="tx1"/>
+    </dgm:txFillClrLst>
+    <dgm:txEffectClrLst/>
+  </dgm:styleLbl>
+  <dgm:styleLbl name="parChTrans1D3">
+    <dgm:fillClrLst meth="repeat">
+      <a:schemeClr val="accent6">
+        <a:tint val="70000"/>
+      </a:schemeClr>
+    </dgm:fillClrLst>
+    <dgm:linClrLst meth="repeat">
       <a:schemeClr val="accent1"/>
-    </dgm:fillClrLst>
-    <dgm:linClrLst meth="repeat">
+    </dgm:linClrLst>
+    <dgm:effectClrLst/>
+    <dgm:txLinClrLst/>
+    <dgm:txFillClrLst meth="repeat">
+      <a:schemeClr val="tx1"/>
+    </dgm:txFillClrLst>
+    <dgm:txEffectClrLst/>
+  </dgm:styleLbl>
+  <dgm:styleLbl name="parChTrans1D4">
+    <dgm:fillClrLst meth="repeat">
+      <a:schemeClr val="accent6">
+        <a:tint val="50000"/>
+      </a:schemeClr>
+    </dgm:fillClrLst>
+    <dgm:linClrLst meth="repeat">
+      <a:schemeClr val="accent2"/>
+    </dgm:linClrLst>
+    <dgm:effectClrLst/>
+    <dgm:txLinClrLst/>
+    <dgm:txFillClrLst meth="repeat">
+      <a:schemeClr val="tx1"/>
+    </dgm:txFillClrLst>
+    <dgm:txEffectClrLst/>
+  </dgm:styleLbl>
+  <dgm:styleLbl name="fgAcc1">
+    <dgm:fillClrLst meth="repeat">
+      <a:schemeClr val="lt1">
+        <a:alpha val="90000"/>
+      </a:schemeClr>
+    </dgm:fillClrLst>
+    <dgm:linClrLst>
+      <a:schemeClr val="accent5"/>
+      <a:schemeClr val="accent6"/>
+    </dgm:linClrLst>
+    <dgm:effectClrLst/>
+    <dgm:txLinClrLst/>
+    <dgm:txFillClrLst meth="repeat">
+      <a:schemeClr val="dk1"/>
+    </dgm:txFillClrLst>
+    <dgm:txEffectClrLst/>
+  </dgm:styleLbl>
+  <dgm:styleLbl name="conFgAcc1">
+    <dgm:fillClrLst meth="repeat">
+      <a:schemeClr val="lt1">
+        <a:alpha val="90000"/>
+      </a:schemeClr>
+    </dgm:fillClrLst>
+    <dgm:linClrLst>
+      <a:schemeClr val="accent5"/>
+      <a:schemeClr val="accent6"/>
+    </dgm:linClrLst>
+    <dgm:effectClrLst/>
+    <dgm:txLinClrLst/>
+    <dgm:txFillClrLst meth="repeat">
+      <a:schemeClr val="dk1"/>
+    </dgm:txFillClrLst>
+    <dgm:txEffectClrLst/>
+  </dgm:styleLbl>
+  <dgm:styleLbl name="alignAcc1">
+    <dgm:fillClrLst meth="repeat">
+      <a:schemeClr val="lt1">
+        <a:alpha val="90000"/>
+      </a:schemeClr>
+    </dgm:fillClrLst>
+    <dgm:linClrLst>
+      <a:schemeClr val="accent5"/>
+      <a:schemeClr val="accent6"/>
+    </dgm:linClrLst>
+    <dgm:effectClrLst/>
+    <dgm:txLinClrLst/>
+    <dgm:txFillClrLst meth="repeat">
+      <a:schemeClr val="dk1"/>
+    </dgm:txFillClrLst>
+    <dgm:txEffectClrLst/>
+  </dgm:styleLbl>
+  <dgm:styleLbl name="trAlignAcc1">
+    <dgm:fillClrLst meth="repeat">
+      <a:schemeClr val="lt1">
+        <a:alpha val="40000"/>
+      </a:schemeClr>
+    </dgm:fillClrLst>
+    <dgm:linClrLst meth="repeat">
+      <a:schemeClr val="accent5"/>
+    </dgm:linClrLst>
+    <dgm:effectClrLst/>
+    <dgm:txLinClrLst/>
+    <dgm:txFillClrLst meth="repeat">
+      <a:schemeClr val="dk1"/>
+    </dgm:txFillClrLst>
+    <dgm:txEffectClrLst/>
+  </dgm:styleLbl>
+  <dgm:styleLbl name="bgAcc1">
+    <dgm:fillClrLst meth="repeat">
+      <a:schemeClr val="lt1">
+        <a:alpha val="90000"/>
+      </a:schemeClr>
+    </dgm:fillClrLst>
+    <dgm:linClrLst>
+      <a:schemeClr val="accent5"/>
+      <a:schemeClr val="accent6"/>
+    </dgm:linClrLst>
+    <dgm:effectClrLst/>
+    <dgm:txLinClrLst/>
+    <dgm:txFillClrLst meth="repeat">
+      <a:schemeClr val="dk1"/>
+    </dgm:txFillClrLst>
+    <dgm:txEffectClrLst/>
+  </dgm:styleLbl>
+  <dgm:styleLbl name="solidFgAcc1">
+    <dgm:fillClrLst meth="repeat">
+      <a:schemeClr val="lt1"/>
+    </dgm:fillClrLst>
+    <dgm:linClrLst>
+      <a:schemeClr val="accent5"/>
+      <a:schemeClr val="accent6"/>
+    </dgm:linClrLst>
+    <dgm:effectClrLst/>
+    <dgm:txLinClrLst/>
+    <dgm:txFillClrLst meth="repeat">
+      <a:schemeClr val="dk1"/>
+    </dgm:txFillClrLst>
+    <dgm:txEffectClrLst/>
+  </dgm:styleLbl>
+  <dgm:styleLbl name="solidAlignAcc1">
+    <dgm:fillClrLst meth="repeat">
+      <a:schemeClr val="lt1"/>
+    </dgm:fillClrLst>
+    <dgm:linClrLst>
+      <a:schemeClr val="accent5"/>
+      <a:schemeClr val="accent6"/>
+    </dgm:linClrLst>
+    <dgm:effectClrLst/>
+    <dgm:txLinClrLst/>
+    <dgm:txFillClrLst meth="repeat">
+      <a:schemeClr val="dk1"/>
+    </dgm:txFillClrLst>
+    <dgm:txEffectClrLst/>
+  </dgm:styleLbl>
+  <dgm:styleLbl name="solidBgAcc1">
+    <dgm:fillClrLst meth="repeat">
+      <a:schemeClr val="lt1"/>
+    </dgm:fillClrLst>
+    <dgm:linClrLst>
+      <a:schemeClr val="accent5"/>
+      <a:schemeClr val="accent6"/>
+    </dgm:linClrLst>
+    <dgm:effectClrLst/>
+    <dgm:txLinClrLst/>
+    <dgm:txFillClrLst meth="repeat">
+      <a:schemeClr val="dk1"/>
+    </dgm:txFillClrLst>
+    <dgm:txEffectClrLst/>
+  </dgm:styleLbl>
+  <dgm:styleLbl name="fgAccFollowNode1">
+    <dgm:fillClrLst>
+      <a:schemeClr val="accent5">
+        <a:tint val="40000"/>
+        <a:alpha val="90000"/>
+      </a:schemeClr>
+      <a:schemeClr val="accent6">
+        <a:tint val="40000"/>
+        <a:alpha val="90000"/>
+      </a:schemeClr>
+    </dgm:fillClrLst>
+    <dgm:linClrLst>
+      <a:schemeClr val="accent5">
+        <a:tint val="40000"/>
+        <a:alpha val="90000"/>
+      </a:schemeClr>
+      <a:schemeClr val="accent5">
+        <a:tint val="40000"/>
+        <a:alpha val="90000"/>
+      </a:schemeClr>
+    </dgm:linClrLst>
+    <dgm:effectClrLst/>
+    <dgm:txLinClrLst/>
+    <dgm:txFillClrLst meth="repeat">
+      <a:schemeClr val="dk1"/>
+    </dgm:txFillClrLst>
+    <dgm:txEffectClrLst/>
+  </dgm:styleLbl>
+  <dgm:styleLbl name="alignAccFollowNode1">
+    <dgm:fillClrLst>
+      <a:schemeClr val="accent5">
+        <a:tint val="40000"/>
+        <a:alpha val="90000"/>
+      </a:schemeClr>
+      <a:schemeClr val="accent6">
+        <a:tint val="40000"/>
+        <a:alpha val="90000"/>
+      </a:schemeClr>
+    </dgm:fillClrLst>
+    <dgm:linClrLst>
+      <a:schemeClr val="accent5">
+        <a:tint val="40000"/>
+        <a:alpha val="90000"/>
+      </a:schemeClr>
+      <a:schemeClr val="accent6">
+        <a:tint val="40000"/>
+        <a:alpha val="90000"/>
+      </a:schemeClr>
+    </dgm:linClrLst>
+    <dgm:effectClrLst/>
+    <dgm:txLinClrLst/>
+    <dgm:txFillClrLst meth="repeat">
+      <a:schemeClr val="dk1"/>
+    </dgm:txFillClrLst>
+    <dgm:txEffectClrLst/>
+  </dgm:styleLbl>
+  <dgm:styleLbl name="bgAccFollowNode1">
+    <dgm:fillClrLst>
+      <a:schemeClr val="accent5">
+        <a:tint val="40000"/>
+        <a:alpha val="90000"/>
+      </a:schemeClr>
+      <a:schemeClr val="accent6">
+        <a:tint val="40000"/>
+        <a:alpha val="90000"/>
+      </a:schemeClr>
+    </dgm:fillClrLst>
+    <dgm:linClrLst>
+      <a:schemeClr val="accent5">
+        <a:tint val="40000"/>
+        <a:alpha val="90000"/>
+      </a:schemeClr>
+      <a:schemeClr val="accent6">
+        <a:tint val="40000"/>
+        <a:alpha val="90000"/>
+      </a:schemeClr>
+    </dgm:linClrLst>
+    <dgm:effectClrLst/>
+    <dgm:txLinClrLst/>
+    <dgm:txFillClrLst meth="repeat">
+      <a:schemeClr val="dk1"/>
+    </dgm:txFillClrLst>
+    <dgm:txEffectClrLst/>
+  </dgm:styleLbl>
+  <dgm:styleLbl name="fgAcc0">
+    <dgm:fillClrLst meth="repeat">
+      <a:schemeClr val="lt1">
+        <a:alpha val="90000"/>
+      </a:schemeClr>
+    </dgm:fillClrLst>
+    <dgm:linClrLst>
+      <a:schemeClr val="accent4"/>
+    </dgm:linClrLst>
+    <dgm:effectClrLst/>
+    <dgm:txLinClrLst/>
+    <dgm:txFillClrLst meth="repeat">
+      <a:schemeClr val="dk1"/>
+    </dgm:txFillClrLst>
+    <dgm:txEffectClrLst/>
+  </dgm:styleLbl>
+  <dgm:styleLbl name="fgAcc2">
+    <dgm:fillClrLst meth="repeat">
+      <a:schemeClr val="lt1">
+        <a:alpha val="90000"/>
+      </a:schemeClr>
+    </dgm:fillClrLst>
+    <dgm:linClrLst>
+      <a:schemeClr val="accent6"/>
+    </dgm:linClrLst>
+    <dgm:effectClrLst/>
+    <dgm:txLinClrLst/>
+    <dgm:txFillClrLst meth="repeat">
+      <a:schemeClr val="dk1"/>
+    </dgm:txFillClrLst>
+    <dgm:txEffectClrLst/>
+  </dgm:styleLbl>
+  <dgm:styleLbl name="fgAcc3">
+    <dgm:fillClrLst meth="repeat">
+      <a:schemeClr val="lt1">
+        <a:alpha val="90000"/>
+      </a:schemeClr>
+    </dgm:fillClrLst>
+    <dgm:linClrLst>
       <a:schemeClr val="accent1"/>
+    </dgm:linClrLst>
+    <dgm:effectClrLst/>
+    <dgm:txLinClrLst/>
+    <dgm:txFillClrLst meth="repeat">
+      <a:schemeClr val="dk1"/>
+    </dgm:txFillClrLst>
+    <dgm:txEffectClrLst/>
+  </dgm:styleLbl>
+  <dgm:styleLbl name="fgAcc4">
+    <dgm:fillClrLst meth="repeat">
+      <a:schemeClr val="lt1">
+        <a:alpha val="90000"/>
+      </a:schemeClr>
+    </dgm:fillClrLst>
+    <dgm:linClrLst>
+      <a:schemeClr val="accent2"/>
+    </dgm:linClrLst>
+    <dgm:effectClrLst/>
+    <dgm:txLinClrLst/>
+    <dgm:txFillClrLst meth="repeat">
+      <a:schemeClr val="dk1"/>
+    </dgm:txFillClrLst>
+    <dgm:txEffectClrLst/>
+  </dgm:styleLbl>
+  <dgm:styleLbl name="bgShp">
+    <dgm:fillClrLst meth="repeat">
+      <a:schemeClr val="bg1">
+        <a:lumMod val="95000"/>
+      </a:schemeClr>
+    </dgm:fillClrLst>
+    <dgm:linClrLst meth="repeat">
+      <a:schemeClr val="dk1"/>
+    </dgm:linClrLst>
+    <dgm:effectClrLst/>
+    <dgm:txLinClrLst/>
+    <dgm:txFillClrLst meth="repeat">
+      <a:schemeClr val="dk1"/>
+    </dgm:txFillClrLst>
+    <dgm:txEffectClrLst/>
+  </dgm:styleLbl>
+  <dgm:styleLbl name="dkBgShp">
+    <dgm:fillClrLst meth="repeat">
+      <a:schemeClr val="accent5">
+        <a:shade val="90000"/>
+      </a:schemeClr>
+    </dgm:fillClrLst>
+    <dgm:linClrLst meth="repeat">
+      <a:schemeClr val="dk1"/>
     </dgm:linClrLst>
     <dgm:effectClrLst/>
     <dgm:txLinClrLst/>
@@ -1965,12 +2357,15 @@
     </dgm:txFillClrLst>
     <dgm:txEffectClrLst/>
   </dgm:styleLbl>
-  <dgm:styleLbl name="parChTrans2D4">
-    <dgm:fillClrLst meth="repeat">
-      <a:schemeClr val="accent1"/>
-    </dgm:fillClrLst>
-    <dgm:linClrLst meth="repeat">
-      <a:schemeClr val="accent1"/>
+  <dgm:styleLbl name="trBgShp">
+    <dgm:fillClrLst meth="repeat">
+      <a:schemeClr val="accent5">
+        <a:tint val="50000"/>
+        <a:alpha val="40000"/>
+      </a:schemeClr>
+    </dgm:fillClrLst>
+    <dgm:linClrLst meth="repeat">
+      <a:schemeClr val="accent5"/>
     </dgm:linClrLst>
     <dgm:effectClrLst/>
     <dgm:txLinClrLst/>
@@ -1979,369 +2374,10 @@
     </dgm:txFillClrLst>
     <dgm:txEffectClrLst/>
   </dgm:styleLbl>
-  <dgm:styleLbl name="parChTrans1D1">
-    <dgm:fillClrLst meth="repeat">
-      <a:schemeClr val="accent1"/>
-    </dgm:fillClrLst>
-    <dgm:linClrLst meth="repeat">
-      <a:schemeClr val="accent1">
-        <a:shade val="60000"/>
-      </a:schemeClr>
-    </dgm:linClrLst>
-    <dgm:effectClrLst/>
-    <dgm:txLinClrLst/>
-    <dgm:txFillClrLst meth="repeat">
-      <a:schemeClr val="tx1"/>
-    </dgm:txFillClrLst>
-    <dgm:txEffectClrLst/>
-  </dgm:styleLbl>
-  <dgm:styleLbl name="parChTrans1D2">
-    <dgm:fillClrLst meth="repeat">
-      <a:schemeClr val="accent1"/>
-    </dgm:fillClrLst>
-    <dgm:linClrLst meth="repeat">
-      <a:schemeClr val="accent1">
-        <a:shade val="60000"/>
-      </a:schemeClr>
-    </dgm:linClrLst>
-    <dgm:effectClrLst/>
-    <dgm:txLinClrLst/>
-    <dgm:txFillClrLst meth="repeat">
-      <a:schemeClr val="tx1"/>
-    </dgm:txFillClrLst>
-    <dgm:txEffectClrLst/>
-  </dgm:styleLbl>
-  <dgm:styleLbl name="parChTrans1D3">
-    <dgm:fillClrLst meth="repeat">
-      <a:schemeClr val="accent1"/>
-    </dgm:fillClrLst>
-    <dgm:linClrLst meth="repeat">
-      <a:schemeClr val="accent1">
-        <a:shade val="80000"/>
-      </a:schemeClr>
-    </dgm:linClrLst>
-    <dgm:effectClrLst/>
-    <dgm:txLinClrLst/>
-    <dgm:txFillClrLst meth="repeat">
-      <a:schemeClr val="tx1"/>
-    </dgm:txFillClrLst>
-    <dgm:txEffectClrLst/>
-  </dgm:styleLbl>
-  <dgm:styleLbl name="parChTrans1D4">
-    <dgm:fillClrLst meth="repeat">
-      <a:schemeClr val="accent1"/>
-    </dgm:fillClrLst>
-    <dgm:linClrLst meth="repeat">
-      <a:schemeClr val="accent1">
-        <a:shade val="80000"/>
-      </a:schemeClr>
-    </dgm:linClrLst>
-    <dgm:effectClrLst/>
-    <dgm:txLinClrLst/>
-    <dgm:txFillClrLst meth="repeat">
-      <a:schemeClr val="tx1"/>
-    </dgm:txFillClrLst>
-    <dgm:txEffectClrLst/>
-  </dgm:styleLbl>
-  <dgm:styleLbl name="fgAcc1">
-    <dgm:fillClrLst meth="repeat">
-      <a:schemeClr val="lt1">
-        <a:alpha val="90000"/>
-      </a:schemeClr>
-    </dgm:fillClrLst>
-    <dgm:linClrLst meth="repeat">
-      <a:schemeClr val="accent1"/>
-    </dgm:linClrLst>
-    <dgm:effectClrLst/>
-    <dgm:txLinClrLst/>
-    <dgm:txFillClrLst meth="repeat">
-      <a:schemeClr val="dk1"/>
-    </dgm:txFillClrLst>
-    <dgm:txEffectClrLst/>
-  </dgm:styleLbl>
-  <dgm:styleLbl name="conFgAcc1">
-    <dgm:fillClrLst meth="repeat">
-      <a:schemeClr val="lt1">
-        <a:alpha val="90000"/>
-      </a:schemeClr>
-    </dgm:fillClrLst>
-    <dgm:linClrLst meth="repeat">
-      <a:schemeClr val="accent1"/>
-    </dgm:linClrLst>
-    <dgm:effectClrLst/>
-    <dgm:txLinClrLst/>
-    <dgm:txFillClrLst meth="repeat">
-      <a:schemeClr val="dk1"/>
-    </dgm:txFillClrLst>
-    <dgm:txEffectClrLst/>
-  </dgm:styleLbl>
-  <dgm:styleLbl name="alignAcc1">
-    <dgm:fillClrLst meth="repeat">
-      <a:schemeClr val="lt1">
-        <a:alpha val="90000"/>
-      </a:schemeClr>
-    </dgm:fillClrLst>
-    <dgm:linClrLst meth="repeat">
-      <a:schemeClr val="accent1"/>
-    </dgm:linClrLst>
-    <dgm:effectClrLst/>
-    <dgm:txLinClrLst/>
-    <dgm:txFillClrLst meth="repeat">
-      <a:schemeClr val="dk1"/>
-    </dgm:txFillClrLst>
-    <dgm:txEffectClrLst/>
-  </dgm:styleLbl>
-  <dgm:styleLbl name="trAlignAcc1">
-    <dgm:fillClrLst meth="repeat">
-      <a:schemeClr val="lt1">
-        <a:alpha val="40000"/>
-      </a:schemeClr>
-    </dgm:fillClrLst>
-    <dgm:linClrLst meth="repeat">
-      <a:schemeClr val="accent1"/>
-    </dgm:linClrLst>
-    <dgm:effectClrLst/>
-    <dgm:txLinClrLst/>
-    <dgm:txFillClrLst meth="repeat">
-      <a:schemeClr val="dk1"/>
-    </dgm:txFillClrLst>
-    <dgm:txEffectClrLst/>
-  </dgm:styleLbl>
-  <dgm:styleLbl name="bgAcc1">
-    <dgm:fillClrLst meth="repeat">
-      <a:schemeClr val="lt1">
-        <a:alpha val="90000"/>
-      </a:schemeClr>
-    </dgm:fillClrLst>
-    <dgm:linClrLst meth="repeat">
-      <a:schemeClr val="accent1"/>
-    </dgm:linClrLst>
-    <dgm:effectClrLst/>
-    <dgm:txLinClrLst/>
-    <dgm:txFillClrLst meth="repeat">
-      <a:schemeClr val="dk1"/>
-    </dgm:txFillClrLst>
-    <dgm:txEffectClrLst/>
-  </dgm:styleLbl>
-  <dgm:styleLbl name="solidFgAcc1">
-    <dgm:fillClrLst meth="repeat">
-      <a:schemeClr val="lt1"/>
-    </dgm:fillClrLst>
-    <dgm:linClrLst meth="repeat">
-      <a:schemeClr val="accent1"/>
-    </dgm:linClrLst>
-    <dgm:effectClrLst/>
-    <dgm:txLinClrLst/>
-    <dgm:txFillClrLst meth="repeat">
-      <a:schemeClr val="dk1"/>
-    </dgm:txFillClrLst>
-    <dgm:txEffectClrLst/>
-  </dgm:styleLbl>
-  <dgm:styleLbl name="solidAlignAcc1">
-    <dgm:fillClrLst meth="repeat">
-      <a:schemeClr val="lt1"/>
-    </dgm:fillClrLst>
-    <dgm:linClrLst meth="repeat">
-      <a:schemeClr val="accent1"/>
-    </dgm:linClrLst>
-    <dgm:effectClrLst/>
-    <dgm:txLinClrLst/>
-    <dgm:txFillClrLst meth="repeat">
-      <a:schemeClr val="dk1"/>
-    </dgm:txFillClrLst>
-    <dgm:txEffectClrLst/>
-  </dgm:styleLbl>
-  <dgm:styleLbl name="solidBgAcc1">
-    <dgm:fillClrLst meth="repeat">
-      <a:schemeClr val="lt1"/>
-    </dgm:fillClrLst>
-    <dgm:linClrLst meth="repeat">
-      <a:schemeClr val="accent1"/>
-    </dgm:linClrLst>
-    <dgm:effectClrLst/>
-    <dgm:txLinClrLst/>
-    <dgm:txFillClrLst meth="repeat">
-      <a:schemeClr val="dk1"/>
-    </dgm:txFillClrLst>
-    <dgm:txEffectClrLst/>
-  </dgm:styleLbl>
-  <dgm:styleLbl name="fgAccFollowNode1">
-    <dgm:fillClrLst meth="repeat">
-      <a:schemeClr val="accent1">
-        <a:alpha val="90000"/>
+  <dgm:styleLbl name="fgShp">
+    <dgm:fillClrLst meth="repeat">
+      <a:schemeClr val="accent5">
         <a:tint val="40000"/>
-      </a:schemeClr>
-    </dgm:fillClrLst>
-    <dgm:linClrLst meth="repeat">
-      <a:schemeClr val="accent1">
-        <a:alpha val="90000"/>
-        <a:tint val="40000"/>
-      </a:schemeClr>
-    </dgm:linClrLst>
-    <dgm:effectClrLst/>
-    <dgm:txLinClrLst/>
-    <dgm:txFillClrLst meth="repeat">
-      <a:schemeClr val="dk1"/>
-    </dgm:txFillClrLst>
-    <dgm:txEffectClrLst/>
-  </dgm:styleLbl>
-  <dgm:styleLbl name="alignAccFollowNode1">
-    <dgm:fillClrLst meth="repeat">
-      <a:schemeClr val="accent1">
-        <a:alpha val="90000"/>
-        <a:tint val="40000"/>
-      </a:schemeClr>
-    </dgm:fillClrLst>
-    <dgm:linClrLst meth="repeat">
-      <a:schemeClr val="accent1">
-        <a:alpha val="90000"/>
-        <a:tint val="40000"/>
-      </a:schemeClr>
-    </dgm:linClrLst>
-    <dgm:effectClrLst/>
-    <dgm:txLinClrLst/>
-    <dgm:txFillClrLst meth="repeat">
-      <a:schemeClr val="dk1"/>
-    </dgm:txFillClrLst>
-    <dgm:txEffectClrLst/>
-  </dgm:styleLbl>
-  <dgm:styleLbl name="bgAccFollowNode1">
-    <dgm:fillClrLst meth="repeat">
-      <a:schemeClr val="accent1">
-        <a:alpha val="90000"/>
-        <a:tint val="40000"/>
-      </a:schemeClr>
-    </dgm:fillClrLst>
-    <dgm:linClrLst meth="repeat">
-      <a:schemeClr val="accent1">
-        <a:alpha val="90000"/>
-        <a:tint val="40000"/>
-      </a:schemeClr>
-    </dgm:linClrLst>
-    <dgm:effectClrLst/>
-    <dgm:txLinClrLst/>
-    <dgm:txFillClrLst meth="repeat">
-      <a:schemeClr val="dk1"/>
-    </dgm:txFillClrLst>
-    <dgm:txEffectClrLst/>
-  </dgm:styleLbl>
-  <dgm:styleLbl name="fgAcc0">
-    <dgm:fillClrLst meth="repeat">
-      <a:schemeClr val="lt1">
-        <a:alpha val="90000"/>
-      </a:schemeClr>
-    </dgm:fillClrLst>
-    <dgm:linClrLst meth="repeat">
-      <a:schemeClr val="accent1"/>
-    </dgm:linClrLst>
-    <dgm:effectClrLst/>
-    <dgm:txLinClrLst/>
-    <dgm:txFillClrLst meth="repeat">
-      <a:schemeClr val="dk1"/>
-    </dgm:txFillClrLst>
-    <dgm:txEffectClrLst/>
-  </dgm:styleLbl>
-  <dgm:styleLbl name="fgAcc2">
-    <dgm:fillClrLst meth="repeat">
-      <a:schemeClr val="lt1">
-        <a:alpha val="90000"/>
-      </a:schemeClr>
-    </dgm:fillClrLst>
-    <dgm:linClrLst meth="repeat">
-      <a:schemeClr val="accent1"/>
-    </dgm:linClrLst>
-    <dgm:effectClrLst/>
-    <dgm:txLinClrLst/>
-    <dgm:txFillClrLst meth="repeat">
-      <a:schemeClr val="dk1"/>
-    </dgm:txFillClrLst>
-    <dgm:txEffectClrLst/>
-  </dgm:styleLbl>
-  <dgm:styleLbl name="fgAcc3">
-    <dgm:fillClrLst meth="repeat">
-      <a:schemeClr val="lt1">
-        <a:alpha val="90000"/>
-      </a:schemeClr>
-    </dgm:fillClrLst>
-    <dgm:linClrLst meth="repeat">
-      <a:schemeClr val="accent1"/>
-    </dgm:linClrLst>
-    <dgm:effectClrLst/>
-    <dgm:txLinClrLst/>
-    <dgm:txFillClrLst meth="repeat">
-      <a:schemeClr val="dk1"/>
-    </dgm:txFillClrLst>
-    <dgm:txEffectClrLst/>
-  </dgm:styleLbl>
-  <dgm:styleLbl name="fgAcc4">
-    <dgm:fillClrLst meth="repeat">
-      <a:schemeClr val="lt1">
-        <a:alpha val="90000"/>
-      </a:schemeClr>
-    </dgm:fillClrLst>
-    <dgm:linClrLst meth="repeat">
-      <a:schemeClr val="accent1"/>
-    </dgm:linClrLst>
-    <dgm:effectClrLst/>
-    <dgm:txLinClrLst/>
-    <dgm:txFillClrLst meth="repeat">
-      <a:schemeClr val="dk1"/>
-    </dgm:txFillClrLst>
-    <dgm:txEffectClrLst/>
-  </dgm:styleLbl>
-  <dgm:styleLbl name="bgShp">
-    <dgm:fillClrLst meth="repeat">
-      <a:schemeClr val="bg1">
-        <a:lumMod val="95000"/>
-      </a:schemeClr>
-    </dgm:fillClrLst>
-    <dgm:linClrLst meth="repeat">
-      <a:schemeClr val="accent1"/>
-    </dgm:linClrLst>
-    <dgm:effectClrLst/>
-    <dgm:txLinClrLst/>
-    <dgm:txFillClrLst meth="repeat">
-      <a:schemeClr val="dk1"/>
-    </dgm:txFillClrLst>
-    <dgm:txEffectClrLst/>
-  </dgm:styleLbl>
-  <dgm:styleLbl name="dkBgShp">
-    <dgm:fillClrLst meth="repeat">
-      <a:schemeClr val="accent1">
-        <a:shade val="80000"/>
-      </a:schemeClr>
-    </dgm:fillClrLst>
-    <dgm:linClrLst meth="repeat">
-      <a:schemeClr val="accent1"/>
-    </dgm:linClrLst>
-    <dgm:effectClrLst/>
-    <dgm:txLinClrLst/>
-    <dgm:txFillClrLst meth="repeat">
-      <a:schemeClr val="lt1"/>
-    </dgm:txFillClrLst>
-    <dgm:txEffectClrLst/>
-  </dgm:styleLbl>
-  <dgm:styleLbl name="trBgShp">
-    <dgm:fillClrLst meth="repeat">
-      <a:schemeClr val="accent1">
-        <a:tint val="50000"/>
-        <a:alpha val="40000"/>
-      </a:schemeClr>
-    </dgm:fillClrLst>
-    <dgm:linClrLst meth="repeat">
-      <a:schemeClr val="accent1"/>
-    </dgm:linClrLst>
-    <dgm:effectClrLst/>
-    <dgm:txLinClrLst/>
-    <dgm:txFillClrLst meth="repeat">
-      <a:schemeClr val="lt1"/>
-    </dgm:txFillClrLst>
-    <dgm:txEffectClrLst/>
-  </dgm:styleLbl>
-  <dgm:styleLbl name="fgShp">
-    <dgm:fillClrLst meth="repeat">
-      <a:schemeClr val="accent1">
-        <a:tint val="60000"/>
       </a:schemeClr>
     </dgm:fillClrLst>
     <dgm:linClrLst meth="repeat">
@@ -7001,8 +7037,8 @@
             </a:lnSpc>
           </a:pPr>
           <a:r>
-            <a:rPr lang="en-US"/>
-            <a:t>Live examples and project ideas</a:t>
+            <a:rPr lang="en-US" dirty="0"/>
+            <a:t>Live example /  project ideas</a:t>
           </a:r>
         </a:p>
       </dgm:t>
@@ -7752,7 +7788,7 @@
 <dgm:dataModel xmlns:dgm="http://schemas.openxmlformats.org/drawingml/2006/diagram" xmlns:a="http://schemas.openxmlformats.org/drawingml/2006/main">
   <dgm:ptLst>
     <dgm:pt modelId="{A0D1CB29-4679-48A1-84C4-62F2889191A9}" type="doc">
-      <dgm:prSet loTypeId="urn:microsoft.com/office/officeart/2018/2/layout/IconVerticalSolidList" loCatId="icon" qsTypeId="urn:microsoft.com/office/officeart/2005/8/quickstyle/simple1" qsCatId="simple" csTypeId="urn:microsoft.com/office/officeart/2018/5/colors/Iconchunking_neutralbg_accent1_2" csCatId="accent1" phldr="1"/>
+      <dgm:prSet loTypeId="urn:microsoft.com/office/officeart/2018/2/layout/IconLabelList" loCatId="icon" qsTypeId="urn:microsoft.com/office/officeart/2005/8/quickstyle/simple1" qsCatId="simple" csTypeId="urn:microsoft.com/office/officeart/2018/5/colors/Iconchunking_neutralbg_colorful5" csCatId="colorful" phldr="1"/>
       <dgm:spPr/>
       <dgm:t>
         <a:bodyPr/>
@@ -7885,7 +7921,7 @@
         </a:p>
       </dgm:t>
     </dgm:pt>
-    <dgm:pt modelId="{06B00A5C-EA09-4272-B143-1C3D15BDB2AE}" type="pres">
+    <dgm:pt modelId="{7882D52D-8F4F-4D00-90F6-D25ADFA4AB17}" type="pres">
       <dgm:prSet presAssocID="{A0D1CB29-4679-48A1-84C4-62F2889191A9}" presName="root" presStyleCnt="0">
         <dgm:presLayoutVars>
           <dgm:dir/>
@@ -7894,15 +7930,11 @@
       </dgm:prSet>
       <dgm:spPr/>
     </dgm:pt>
-    <dgm:pt modelId="{E5292685-9F06-4309-928B-392489A3BBBA}" type="pres">
+    <dgm:pt modelId="{BDDC2B78-298A-4DFF-9870-87AA3BD2A2C6}" type="pres">
       <dgm:prSet presAssocID="{0072A10F-4690-4327-B365-8E8E82E348F3}" presName="compNode" presStyleCnt="0"/>
       <dgm:spPr/>
     </dgm:pt>
-    <dgm:pt modelId="{8C519BC3-D1F7-4F07-8ED1-175F5DA310D2}" type="pres">
-      <dgm:prSet presAssocID="{0072A10F-4690-4327-B365-8E8E82E348F3}" presName="bgRect" presStyleLbl="bgShp" presStyleIdx="0" presStyleCnt="3"/>
-      <dgm:spPr/>
-    </dgm:pt>
-    <dgm:pt modelId="{B74766F8-469B-4AE8-9BF4-DA6FE455A914}" type="pres">
+    <dgm:pt modelId="{DDD23FAA-0A4A-4950-ACEB-8F2EC9D69A9C}" type="pres">
       <dgm:prSet presAssocID="{0072A10F-4690-4327-B365-8E8E82E348F3}" presName="iconRect" presStyleLbl="node1" presStyleIdx="0" presStyleCnt="3"/>
       <dgm:spPr>
         <a:blipFill>
@@ -7920,6 +7952,9 @@
             <a:fillRect/>
           </a:stretch>
         </a:blipFill>
+        <a:ln>
+          <a:noFill/>
+        </a:ln>
       </dgm:spPr>
       <dgm:extLst>
         <a:ext uri="{E40237B7-FDA0-4F09-8148-C483321AD2D9}">
@@ -7927,32 +7962,28 @@
         </a:ext>
       </dgm:extLst>
     </dgm:pt>
-    <dgm:pt modelId="{F815B2B8-34E7-4B0C-8889-902A0FB783EC}" type="pres">
+    <dgm:pt modelId="{94F41558-1004-4209-ACAD-62C6061499B7}" type="pres">
       <dgm:prSet presAssocID="{0072A10F-4690-4327-B365-8E8E82E348F3}" presName="spaceRect" presStyleCnt="0"/>
       <dgm:spPr/>
     </dgm:pt>
-    <dgm:pt modelId="{F1A49EED-CFC9-4DC7-A3E2-EF1D294562F1}" type="pres">
-      <dgm:prSet presAssocID="{0072A10F-4690-4327-B365-8E8E82E348F3}" presName="parTx" presStyleLbl="revTx" presStyleIdx="0" presStyleCnt="3">
+    <dgm:pt modelId="{674DE838-AC5C-4756-8F35-BB143AB8BC8D}" type="pres">
+      <dgm:prSet presAssocID="{0072A10F-4690-4327-B365-8E8E82E348F3}" presName="textRect" presStyleLbl="revTx" presStyleIdx="0" presStyleCnt="3">
         <dgm:presLayoutVars>
-          <dgm:chMax val="0"/>
-          <dgm:chPref val="0"/>
+          <dgm:chMax val="1"/>
+          <dgm:chPref val="1"/>
         </dgm:presLayoutVars>
       </dgm:prSet>
       <dgm:spPr/>
     </dgm:pt>
-    <dgm:pt modelId="{B7EC74A9-A45B-4DD8-A34D-86F0102E7455}" type="pres">
+    <dgm:pt modelId="{5A0CA903-5806-4748-92DB-608D371CC474}" type="pres">
       <dgm:prSet presAssocID="{C30AE195-4FA9-4CB0-88C7-DCBC1E8E519C}" presName="sibTrans" presStyleCnt="0"/>
       <dgm:spPr/>
     </dgm:pt>
-    <dgm:pt modelId="{81604553-9DA0-4ECD-8D31-3CCD124093B0}" type="pres">
+    <dgm:pt modelId="{749008D7-FF62-4344-BC42-FB9908E40FA8}" type="pres">
       <dgm:prSet presAssocID="{9635D77F-334B-4741-920E-E876EF598905}" presName="compNode" presStyleCnt="0"/>
       <dgm:spPr/>
     </dgm:pt>
-    <dgm:pt modelId="{24641A4B-38E9-4385-A5F3-31BC3792B9FD}" type="pres">
-      <dgm:prSet presAssocID="{9635D77F-334B-4741-920E-E876EF598905}" presName="bgRect" presStyleLbl="bgShp" presStyleIdx="1" presStyleCnt="3"/>
-      <dgm:spPr/>
-    </dgm:pt>
-    <dgm:pt modelId="{45D7297C-FFD7-4BAB-BCDC-368F47EB30A1}" type="pres">
+    <dgm:pt modelId="{17F449AE-DBE0-4A05-B9EF-E64F1531AF76}" type="pres">
       <dgm:prSet presAssocID="{9635D77F-334B-4741-920E-E876EF598905}" presName="iconRect" presStyleLbl="node1" presStyleIdx="1" presStyleCnt="3"/>
       <dgm:spPr>
         <a:blipFill>
@@ -7970,6 +8001,9 @@
             <a:fillRect/>
           </a:stretch>
         </a:blipFill>
+        <a:ln>
+          <a:noFill/>
+        </a:ln>
       </dgm:spPr>
       <dgm:extLst>
         <a:ext uri="{E40237B7-FDA0-4F09-8148-C483321AD2D9}">
@@ -7977,32 +8011,28 @@
         </a:ext>
       </dgm:extLst>
     </dgm:pt>
-    <dgm:pt modelId="{72F4E2D4-75B7-4DEA-9EEC-B3FC1F2D59E2}" type="pres">
+    <dgm:pt modelId="{83C33EDF-93EA-48DE-87F5-DC080464F2E7}" type="pres">
       <dgm:prSet presAssocID="{9635D77F-334B-4741-920E-E876EF598905}" presName="spaceRect" presStyleCnt="0"/>
       <dgm:spPr/>
     </dgm:pt>
-    <dgm:pt modelId="{9F593C05-2E7C-49F7-8E26-36FB9908F4BC}" type="pres">
-      <dgm:prSet presAssocID="{9635D77F-334B-4741-920E-E876EF598905}" presName="parTx" presStyleLbl="revTx" presStyleIdx="1" presStyleCnt="3">
+    <dgm:pt modelId="{F38BA631-E8F1-40D0-8AEA-4ACB60E93E94}" type="pres">
+      <dgm:prSet presAssocID="{9635D77F-334B-4741-920E-E876EF598905}" presName="textRect" presStyleLbl="revTx" presStyleIdx="1" presStyleCnt="3">
         <dgm:presLayoutVars>
-          <dgm:chMax val="0"/>
-          <dgm:chPref val="0"/>
+          <dgm:chMax val="1"/>
+          <dgm:chPref val="1"/>
         </dgm:presLayoutVars>
       </dgm:prSet>
       <dgm:spPr/>
     </dgm:pt>
-    <dgm:pt modelId="{FF3370B6-2A31-4F87-872C-7E4E9A2D72C3}" type="pres">
+    <dgm:pt modelId="{A6B4CA9D-0270-4A91-B050-20A75712E4C6}" type="pres">
       <dgm:prSet presAssocID="{8BD7D2D9-26A5-4D09-94AC-12308A620235}" presName="sibTrans" presStyleCnt="0"/>
       <dgm:spPr/>
     </dgm:pt>
-    <dgm:pt modelId="{82FD5D0A-BE53-4E6F-A986-525DFD11068D}" type="pres">
+    <dgm:pt modelId="{3EBAF44F-884F-4EAE-8CC4-5033AC479E15}" type="pres">
       <dgm:prSet presAssocID="{37C0A0AB-BF83-4A4E-8E58-548EA7C10315}" presName="compNode" presStyleCnt="0"/>
       <dgm:spPr/>
     </dgm:pt>
-    <dgm:pt modelId="{8ED4D044-F93B-43C0-B506-CAF02AA1920A}" type="pres">
-      <dgm:prSet presAssocID="{37C0A0AB-BF83-4A4E-8E58-548EA7C10315}" presName="bgRect" presStyleLbl="bgShp" presStyleIdx="2" presStyleCnt="3"/>
-      <dgm:spPr/>
-    </dgm:pt>
-    <dgm:pt modelId="{85ED3A09-0C14-4E76-A25D-53EA4B4C32B1}" type="pres">
+    <dgm:pt modelId="{357EB0F0-756B-4E4A-8FD3-2503799084EC}" type="pres">
       <dgm:prSet presAssocID="{37C0A0AB-BF83-4A4E-8E58-548EA7C10315}" presName="iconRect" presStyleLbl="node1" presStyleIdx="2" presStyleCnt="3"/>
       <dgm:spPr>
         <a:blipFill>
@@ -8020,6 +8050,9 @@
             <a:fillRect/>
           </a:stretch>
         </a:blipFill>
+        <a:ln>
+          <a:noFill/>
+        </a:ln>
       </dgm:spPr>
       <dgm:extLst>
         <a:ext uri="{E40237B7-FDA0-4F09-8148-C483321AD2D9}">
@@ -8027,15 +8060,15 @@
         </a:ext>
       </dgm:extLst>
     </dgm:pt>
-    <dgm:pt modelId="{A3844AD7-269E-4C60-AA42-6DAFF35ACFF5}" type="pres">
+    <dgm:pt modelId="{6A37AF66-FE6D-4961-926C-676DFBEF71E9}" type="pres">
       <dgm:prSet presAssocID="{37C0A0AB-BF83-4A4E-8E58-548EA7C10315}" presName="spaceRect" presStyleCnt="0"/>
       <dgm:spPr/>
     </dgm:pt>
-    <dgm:pt modelId="{7136FA93-B3D3-4032-A63C-661473C142E2}" type="pres">
-      <dgm:prSet presAssocID="{37C0A0AB-BF83-4A4E-8E58-548EA7C10315}" presName="parTx" presStyleLbl="revTx" presStyleIdx="2" presStyleCnt="3">
+    <dgm:pt modelId="{D421EF72-7330-4890-8C49-B425298971F2}" type="pres">
+      <dgm:prSet presAssocID="{37C0A0AB-BF83-4A4E-8E58-548EA7C10315}" presName="textRect" presStyleLbl="revTx" presStyleIdx="2" presStyleCnt="3">
         <dgm:presLayoutVars>
-          <dgm:chMax val="0"/>
-          <dgm:chPref val="0"/>
+          <dgm:chMax val="1"/>
+          <dgm:chPref val="1"/>
         </dgm:presLayoutVars>
       </dgm:prSet>
       <dgm:spPr/>
@@ -8044,28 +8077,25 @@
   <dgm:cxnLst>
     <dgm:cxn modelId="{59DDB704-9A0C-4B18-A781-7DA0312BAF38}" srcId="{A0D1CB29-4679-48A1-84C4-62F2889191A9}" destId="{37C0A0AB-BF83-4A4E-8E58-548EA7C10315}" srcOrd="2" destOrd="0" parTransId="{BE7D340F-B391-4E7E-9F26-F119881A19C6}" sibTransId="{C1BF74C6-99BB-456E-984F-188B4156A85F}"/>
     <dgm:cxn modelId="{99033506-E8E3-4B77-86E4-5E2405438182}" srcId="{A0D1CB29-4679-48A1-84C4-62F2889191A9}" destId="{9635D77F-334B-4741-920E-E876EF598905}" srcOrd="1" destOrd="0" parTransId="{49598827-AC87-4C3C-BB63-5E7446962853}" sibTransId="{8BD7D2D9-26A5-4D09-94AC-12308A620235}"/>
+    <dgm:cxn modelId="{907FFF0A-916B-0F47-94E2-845E711A98DF}" type="presOf" srcId="{9635D77F-334B-4741-920E-E876EF598905}" destId="{F38BA631-E8F1-40D0-8AEA-4ACB60E93E94}" srcOrd="0" destOrd="0" presId="urn:microsoft.com/office/officeart/2018/2/layout/IconLabelList"/>
+    <dgm:cxn modelId="{4F2F5C16-3CEE-1141-BFDA-5FF341AFA4F2}" type="presOf" srcId="{0072A10F-4690-4327-B365-8E8E82E348F3}" destId="{674DE838-AC5C-4756-8F35-BB143AB8BC8D}" srcOrd="0" destOrd="0" presId="urn:microsoft.com/office/officeart/2018/2/layout/IconLabelList"/>
     <dgm:cxn modelId="{E080754A-62DF-4B78-9C02-2C58A1528965}" srcId="{A0D1CB29-4679-48A1-84C4-62F2889191A9}" destId="{0072A10F-4690-4327-B365-8E8E82E348F3}" srcOrd="0" destOrd="0" parTransId="{5B331E1B-ACAC-4E8C-9742-C90F55393CDE}" sibTransId="{C30AE195-4FA9-4CB0-88C7-DCBC1E8E519C}"/>
-    <dgm:cxn modelId="{7CB47E55-3B00-0B4E-8FB7-87F890032F16}" type="presOf" srcId="{A0D1CB29-4679-48A1-84C4-62F2889191A9}" destId="{06B00A5C-EA09-4272-B143-1C3D15BDB2AE}" srcOrd="0" destOrd="0" presId="urn:microsoft.com/office/officeart/2018/2/layout/IconVerticalSolidList"/>
-    <dgm:cxn modelId="{302B83BD-0702-8E42-AB31-6A7BFA483D5B}" type="presOf" srcId="{37C0A0AB-BF83-4A4E-8E58-548EA7C10315}" destId="{7136FA93-B3D3-4032-A63C-661473C142E2}" srcOrd="0" destOrd="0" presId="urn:microsoft.com/office/officeart/2018/2/layout/IconVerticalSolidList"/>
-    <dgm:cxn modelId="{C0489BE6-3C03-2544-8E5E-66A66AFBB921}" type="presOf" srcId="{9635D77F-334B-4741-920E-E876EF598905}" destId="{9F593C05-2E7C-49F7-8E26-36FB9908F4BC}" srcOrd="0" destOrd="0" presId="urn:microsoft.com/office/officeart/2018/2/layout/IconVerticalSolidList"/>
-    <dgm:cxn modelId="{4387D1EE-1504-BE4C-850B-38D28A7B8132}" type="presOf" srcId="{0072A10F-4690-4327-B365-8E8E82E348F3}" destId="{F1A49EED-CFC9-4DC7-A3E2-EF1D294562F1}" srcOrd="0" destOrd="0" presId="urn:microsoft.com/office/officeart/2018/2/layout/IconVerticalSolidList"/>
-    <dgm:cxn modelId="{ED281B1C-8519-EA41-8548-B05ED0CB9990}" type="presParOf" srcId="{06B00A5C-EA09-4272-B143-1C3D15BDB2AE}" destId="{E5292685-9F06-4309-928B-392489A3BBBA}" srcOrd="0" destOrd="0" presId="urn:microsoft.com/office/officeart/2018/2/layout/IconVerticalSolidList"/>
-    <dgm:cxn modelId="{2C519BCE-0563-BB4E-909C-F1B4A8CE6D1C}" type="presParOf" srcId="{E5292685-9F06-4309-928B-392489A3BBBA}" destId="{8C519BC3-D1F7-4F07-8ED1-175F5DA310D2}" srcOrd="0" destOrd="0" presId="urn:microsoft.com/office/officeart/2018/2/layout/IconVerticalSolidList"/>
-    <dgm:cxn modelId="{1D4B5581-E191-824C-B456-8C61EE3E4D2B}" type="presParOf" srcId="{E5292685-9F06-4309-928B-392489A3BBBA}" destId="{B74766F8-469B-4AE8-9BF4-DA6FE455A914}" srcOrd="1" destOrd="0" presId="urn:microsoft.com/office/officeart/2018/2/layout/IconVerticalSolidList"/>
-    <dgm:cxn modelId="{EA75FF9F-41B0-0946-958F-4FD05E6599A1}" type="presParOf" srcId="{E5292685-9F06-4309-928B-392489A3BBBA}" destId="{F815B2B8-34E7-4B0C-8889-902A0FB783EC}" srcOrd="2" destOrd="0" presId="urn:microsoft.com/office/officeart/2018/2/layout/IconVerticalSolidList"/>
-    <dgm:cxn modelId="{B3FB8F1B-A1E1-734C-99A3-E2B5789EC04C}" type="presParOf" srcId="{E5292685-9F06-4309-928B-392489A3BBBA}" destId="{F1A49EED-CFC9-4DC7-A3E2-EF1D294562F1}" srcOrd="3" destOrd="0" presId="urn:microsoft.com/office/officeart/2018/2/layout/IconVerticalSolidList"/>
-    <dgm:cxn modelId="{06A30228-45FE-5C42-9F3C-6FC38AF7A453}" type="presParOf" srcId="{06B00A5C-EA09-4272-B143-1C3D15BDB2AE}" destId="{B7EC74A9-A45B-4DD8-A34D-86F0102E7455}" srcOrd="1" destOrd="0" presId="urn:microsoft.com/office/officeart/2018/2/layout/IconVerticalSolidList"/>
-    <dgm:cxn modelId="{88AEC37B-0574-2E40-A0CE-6947270A9CF7}" type="presParOf" srcId="{06B00A5C-EA09-4272-B143-1C3D15BDB2AE}" destId="{81604553-9DA0-4ECD-8D31-3CCD124093B0}" srcOrd="2" destOrd="0" presId="urn:microsoft.com/office/officeart/2018/2/layout/IconVerticalSolidList"/>
-    <dgm:cxn modelId="{E2D5163E-D66C-494C-B150-5D9B7CDD81D9}" type="presParOf" srcId="{81604553-9DA0-4ECD-8D31-3CCD124093B0}" destId="{24641A4B-38E9-4385-A5F3-31BC3792B9FD}" srcOrd="0" destOrd="0" presId="urn:microsoft.com/office/officeart/2018/2/layout/IconVerticalSolidList"/>
-    <dgm:cxn modelId="{F90351FC-E2A8-FD4C-B3B7-5AB575709AEF}" type="presParOf" srcId="{81604553-9DA0-4ECD-8D31-3CCD124093B0}" destId="{45D7297C-FFD7-4BAB-BCDC-368F47EB30A1}" srcOrd="1" destOrd="0" presId="urn:microsoft.com/office/officeart/2018/2/layout/IconVerticalSolidList"/>
-    <dgm:cxn modelId="{42742A2F-D0F0-DE4E-B91B-1DB50C035C61}" type="presParOf" srcId="{81604553-9DA0-4ECD-8D31-3CCD124093B0}" destId="{72F4E2D4-75B7-4DEA-9EEC-B3FC1F2D59E2}" srcOrd="2" destOrd="0" presId="urn:microsoft.com/office/officeart/2018/2/layout/IconVerticalSolidList"/>
-    <dgm:cxn modelId="{2485D0A4-BB7A-F24C-A12C-4765A84526EA}" type="presParOf" srcId="{81604553-9DA0-4ECD-8D31-3CCD124093B0}" destId="{9F593C05-2E7C-49F7-8E26-36FB9908F4BC}" srcOrd="3" destOrd="0" presId="urn:microsoft.com/office/officeart/2018/2/layout/IconVerticalSolidList"/>
-    <dgm:cxn modelId="{DF30E589-8D1F-E04E-B576-0FB712419BA6}" type="presParOf" srcId="{06B00A5C-EA09-4272-B143-1C3D15BDB2AE}" destId="{FF3370B6-2A31-4F87-872C-7E4E9A2D72C3}" srcOrd="3" destOrd="0" presId="urn:microsoft.com/office/officeart/2018/2/layout/IconVerticalSolidList"/>
-    <dgm:cxn modelId="{EFAE38BD-9502-984D-999B-1FFA59FFD2DC}" type="presParOf" srcId="{06B00A5C-EA09-4272-B143-1C3D15BDB2AE}" destId="{82FD5D0A-BE53-4E6F-A986-525DFD11068D}" srcOrd="4" destOrd="0" presId="urn:microsoft.com/office/officeart/2018/2/layout/IconVerticalSolidList"/>
-    <dgm:cxn modelId="{96A28A4D-04B3-B746-86BE-11269C834D0F}" type="presParOf" srcId="{82FD5D0A-BE53-4E6F-A986-525DFD11068D}" destId="{8ED4D044-F93B-43C0-B506-CAF02AA1920A}" srcOrd="0" destOrd="0" presId="urn:microsoft.com/office/officeart/2018/2/layout/IconVerticalSolidList"/>
-    <dgm:cxn modelId="{25973A69-058C-0744-830F-77F0324D34E4}" type="presParOf" srcId="{82FD5D0A-BE53-4E6F-A986-525DFD11068D}" destId="{85ED3A09-0C14-4E76-A25D-53EA4B4C32B1}" srcOrd="1" destOrd="0" presId="urn:microsoft.com/office/officeart/2018/2/layout/IconVerticalSolidList"/>
-    <dgm:cxn modelId="{FED1B7F8-1DC8-C943-9F59-73639B5584EB}" type="presParOf" srcId="{82FD5D0A-BE53-4E6F-A986-525DFD11068D}" destId="{A3844AD7-269E-4C60-AA42-6DAFF35ACFF5}" srcOrd="2" destOrd="0" presId="urn:microsoft.com/office/officeart/2018/2/layout/IconVerticalSolidList"/>
-    <dgm:cxn modelId="{B4976930-88FA-484D-BE0C-29FACEEB6D17}" type="presParOf" srcId="{82FD5D0A-BE53-4E6F-A986-525DFD11068D}" destId="{7136FA93-B3D3-4032-A63C-661473C142E2}" srcOrd="3" destOrd="0" presId="urn:microsoft.com/office/officeart/2018/2/layout/IconVerticalSolidList"/>
+    <dgm:cxn modelId="{AD8B28C1-CACB-3F4B-B7A1-CEC85072B367}" type="presOf" srcId="{A0D1CB29-4679-48A1-84C4-62F2889191A9}" destId="{7882D52D-8F4F-4D00-90F6-D25ADFA4AB17}" srcOrd="0" destOrd="0" presId="urn:microsoft.com/office/officeart/2018/2/layout/IconLabelList"/>
+    <dgm:cxn modelId="{1BCE30FE-4D74-9041-A038-0ABAEADD06E5}" type="presOf" srcId="{37C0A0AB-BF83-4A4E-8E58-548EA7C10315}" destId="{D421EF72-7330-4890-8C49-B425298971F2}" srcOrd="0" destOrd="0" presId="urn:microsoft.com/office/officeart/2018/2/layout/IconLabelList"/>
+    <dgm:cxn modelId="{3C3664F4-CD40-5B4C-B78E-BB876F87C41B}" type="presParOf" srcId="{7882D52D-8F4F-4D00-90F6-D25ADFA4AB17}" destId="{BDDC2B78-298A-4DFF-9870-87AA3BD2A2C6}" srcOrd="0" destOrd="0" presId="urn:microsoft.com/office/officeart/2018/2/layout/IconLabelList"/>
+    <dgm:cxn modelId="{4B4EFDD0-9B3B-3447-A7A1-02492B4FE4C3}" type="presParOf" srcId="{BDDC2B78-298A-4DFF-9870-87AA3BD2A2C6}" destId="{DDD23FAA-0A4A-4950-ACEB-8F2EC9D69A9C}" srcOrd="0" destOrd="0" presId="urn:microsoft.com/office/officeart/2018/2/layout/IconLabelList"/>
+    <dgm:cxn modelId="{1F75EF79-2083-B549-9DEC-A3FA02A05D42}" type="presParOf" srcId="{BDDC2B78-298A-4DFF-9870-87AA3BD2A2C6}" destId="{94F41558-1004-4209-ACAD-62C6061499B7}" srcOrd="1" destOrd="0" presId="urn:microsoft.com/office/officeart/2018/2/layout/IconLabelList"/>
+    <dgm:cxn modelId="{2C0183AA-5F4F-544A-9B69-1E5B4D28811C}" type="presParOf" srcId="{BDDC2B78-298A-4DFF-9870-87AA3BD2A2C6}" destId="{674DE838-AC5C-4756-8F35-BB143AB8BC8D}" srcOrd="2" destOrd="0" presId="urn:microsoft.com/office/officeart/2018/2/layout/IconLabelList"/>
+    <dgm:cxn modelId="{25DBDCA9-333E-9F4A-8546-0FE9DD2E3148}" type="presParOf" srcId="{7882D52D-8F4F-4D00-90F6-D25ADFA4AB17}" destId="{5A0CA903-5806-4748-92DB-608D371CC474}" srcOrd="1" destOrd="0" presId="urn:microsoft.com/office/officeart/2018/2/layout/IconLabelList"/>
+    <dgm:cxn modelId="{0FDB41F8-310F-6D45-A7F0-F77661C32912}" type="presParOf" srcId="{7882D52D-8F4F-4D00-90F6-D25ADFA4AB17}" destId="{749008D7-FF62-4344-BC42-FB9908E40FA8}" srcOrd="2" destOrd="0" presId="urn:microsoft.com/office/officeart/2018/2/layout/IconLabelList"/>
+    <dgm:cxn modelId="{6C566CA3-9F48-4F40-8206-107319E6040C}" type="presParOf" srcId="{749008D7-FF62-4344-BC42-FB9908E40FA8}" destId="{17F449AE-DBE0-4A05-B9EF-E64F1531AF76}" srcOrd="0" destOrd="0" presId="urn:microsoft.com/office/officeart/2018/2/layout/IconLabelList"/>
+    <dgm:cxn modelId="{1553C831-1DB3-A54F-A2DA-B01F8ABF09A3}" type="presParOf" srcId="{749008D7-FF62-4344-BC42-FB9908E40FA8}" destId="{83C33EDF-93EA-48DE-87F5-DC080464F2E7}" srcOrd="1" destOrd="0" presId="urn:microsoft.com/office/officeart/2018/2/layout/IconLabelList"/>
+    <dgm:cxn modelId="{2FFBC833-20BD-3B4D-A4E7-A9148A658E5D}" type="presParOf" srcId="{749008D7-FF62-4344-BC42-FB9908E40FA8}" destId="{F38BA631-E8F1-40D0-8AEA-4ACB60E93E94}" srcOrd="2" destOrd="0" presId="urn:microsoft.com/office/officeart/2018/2/layout/IconLabelList"/>
+    <dgm:cxn modelId="{AC5C4515-7AC7-734E-821F-FB87B0A31F3D}" type="presParOf" srcId="{7882D52D-8F4F-4D00-90F6-D25ADFA4AB17}" destId="{A6B4CA9D-0270-4A91-B050-20A75712E4C6}" srcOrd="3" destOrd="0" presId="urn:microsoft.com/office/officeart/2018/2/layout/IconLabelList"/>
+    <dgm:cxn modelId="{05137EB9-2118-384F-945E-A4A0D0AAEC91}" type="presParOf" srcId="{7882D52D-8F4F-4D00-90F6-D25ADFA4AB17}" destId="{3EBAF44F-884F-4EAE-8CC4-5033AC479E15}" srcOrd="4" destOrd="0" presId="urn:microsoft.com/office/officeart/2018/2/layout/IconLabelList"/>
+    <dgm:cxn modelId="{A35587C3-DC78-A34F-85B8-FC0DB7C43392}" type="presParOf" srcId="{3EBAF44F-884F-4EAE-8CC4-5033AC479E15}" destId="{357EB0F0-756B-4E4A-8FD3-2503799084EC}" srcOrd="0" destOrd="0" presId="urn:microsoft.com/office/officeart/2018/2/layout/IconLabelList"/>
+    <dgm:cxn modelId="{394F8C6E-9524-E24F-ABBB-515D93D51186}" type="presParOf" srcId="{3EBAF44F-884F-4EAE-8CC4-5033AC479E15}" destId="{6A37AF66-FE6D-4961-926C-676DFBEF71E9}" srcOrd="1" destOrd="0" presId="urn:microsoft.com/office/officeart/2018/2/layout/IconLabelList"/>
+    <dgm:cxn modelId="{B03A059E-7DA8-374C-9705-B03CDC09E911}" type="presParOf" srcId="{3EBAF44F-884F-4EAE-8CC4-5033AC479E15}" destId="{D421EF72-7330-4890-8C49-B425298971F2}" srcOrd="2" destOrd="0" presId="urn:microsoft.com/office/officeart/2018/2/layout/IconLabelList"/>
   </dgm:cxnLst>
   <dgm:bg/>
   <dgm:whole/>
@@ -8401,7 +8431,7 @@
 <dgm:dataModel xmlns:dgm="http://schemas.openxmlformats.org/drawingml/2006/diagram" xmlns:a="http://schemas.openxmlformats.org/drawingml/2006/main">
   <dgm:ptLst>
     <dgm:pt modelId="{37C9A68B-4FB6-4172-B5A7-19AF4B3E7AA3}" type="doc">
-      <dgm:prSet loTypeId="urn:microsoft.com/office/officeart/2005/8/layout/hierarchy1" loCatId="hierarchy" qsTypeId="urn:microsoft.com/office/officeart/2005/8/quickstyle/simple1" qsCatId="simple" csTypeId="urn:microsoft.com/office/officeart/2005/8/colors/colorful2" csCatId="colorful"/>
+      <dgm:prSet loTypeId="urn:microsoft.com/office/officeart/2005/8/layout/hierarchy1" loCatId="hierarchy" qsTypeId="urn:microsoft.com/office/officeart/2005/8/quickstyle/simple1" qsCatId="simple" csTypeId="urn:microsoft.com/office/officeart/2005/8/colors/colorful2" csCatId="colorful" phldr="1"/>
       <dgm:spPr/>
       <dgm:t>
         <a:bodyPr/>
@@ -8419,8 +8449,8 @@
         <a:lstStyle/>
         <a:p>
           <a:r>
-            <a:rPr lang="en-US"/>
-            <a:t>Clean datasets with missing ECOG/stage data</a:t>
+            <a:rPr lang="en-US" dirty="0"/>
+            <a:t>Clean datasets</a:t>
           </a:r>
         </a:p>
       </dgm:t>
@@ -8575,7 +8605,7 @@
 <dgm:dataModel xmlns:dgm="http://schemas.openxmlformats.org/drawingml/2006/diagram" xmlns:a="http://schemas.openxmlformats.org/drawingml/2006/main">
   <dgm:ptLst>
     <dgm:pt modelId="{9127A189-7962-4A8A-B3C5-7DD4FF4B8CB5}" type="doc">
-      <dgm:prSet loTypeId="urn:microsoft.com/office/officeart/2016/7/layout/LinearBlockProcessNumbered" loCatId="process" qsTypeId="urn:microsoft.com/office/officeart/2005/8/quickstyle/simple1" qsCatId="simple" csTypeId="urn:microsoft.com/office/officeart/2005/8/colors/accent1_2" csCatId="accent1"/>
+      <dgm:prSet loTypeId="urn:microsoft.com/office/officeart/2016/7/layout/LinearBlockProcessNumbered" loCatId="process" qsTypeId="urn:microsoft.com/office/officeart/2005/8/quickstyle/simple1" qsCatId="simple" csTypeId="urn:microsoft.com/office/officeart/2005/8/colors/accent1_2" csCatId="accent1" phldr="1"/>
       <dgm:spPr/>
       <dgm:t>
         <a:bodyPr/>
@@ -8593,9 +8623,14 @@
         <a:lstStyle/>
         <a:p>
           <a:r>
-            <a:rPr lang="en-US"/>
-            <a:t>Choose chart types for epidemiology: funnel, violin plots</a:t>
+            <a:rPr lang="en-US" dirty="0"/>
+            <a:t>Choose chart types for epidemiology: bar charts, histograms, violin plots, </a:t>
           </a:r>
+          <a:r>
+            <a:rPr lang="en-US" dirty="0" err="1"/>
+            <a:t>heatmapd</a:t>
+          </a:r>
+          <a:endParaRPr lang="en-US" dirty="0"/>
         </a:p>
       </dgm:t>
     </dgm:pt>
@@ -8808,33 +8843,33 @@
     </dgm:pt>
   </dgm:ptLst>
   <dgm:cxnLst>
-    <dgm:cxn modelId="{13729508-BA50-ED40-8918-5BAFB7F06F60}" type="presOf" srcId="{AE142159-D5EA-426A-8950-EC2954A2573D}" destId="{D4518AE7-0DCF-9D41-BE78-C831AAB4BC1D}" srcOrd="0" destOrd="0" presId="urn:microsoft.com/office/officeart/2016/7/layout/LinearBlockProcessNumbered"/>
-    <dgm:cxn modelId="{E5FD0518-5E4C-E040-9E47-5144EC5344D8}" type="presOf" srcId="{DE247FE2-824F-47C1-82E1-7A68E3E55E03}" destId="{FA7F4DAD-087C-F940-9757-DAA3DFCC233A}" srcOrd="0" destOrd="0" presId="urn:microsoft.com/office/officeart/2016/7/layout/LinearBlockProcessNumbered"/>
-    <dgm:cxn modelId="{31E3FD2F-C9E6-2F4D-AF48-9747005C7FDD}" type="presOf" srcId="{F50DF98B-1AE2-4DE2-AAA1-C9B0B7F908D5}" destId="{E4964E7B-5E4D-A042-8A69-043D3BE8CB49}" srcOrd="0" destOrd="0" presId="urn:microsoft.com/office/officeart/2016/7/layout/LinearBlockProcessNumbered"/>
-    <dgm:cxn modelId="{E3120E69-9520-CE49-9307-7D1FF13799C0}" type="presOf" srcId="{F50DF98B-1AE2-4DE2-AAA1-C9B0B7F908D5}" destId="{AB62B60E-3CA5-AA40-BDE2-03CEA06149F8}" srcOrd="1" destOrd="0" presId="urn:microsoft.com/office/officeart/2016/7/layout/LinearBlockProcessNumbered"/>
+    <dgm:cxn modelId="{F646040F-C19A-074F-8B64-0CCF5E6E1B4C}" type="presOf" srcId="{9127A189-7962-4A8A-B3C5-7DD4FF4B8CB5}" destId="{220FF237-B650-5841-BAE9-BEC4629D8480}" srcOrd="0" destOrd="0" presId="urn:microsoft.com/office/officeart/2016/7/layout/LinearBlockProcessNumbered"/>
+    <dgm:cxn modelId="{1D2C8D1B-52EB-F94A-8324-AD7A8F35C5CE}" type="presOf" srcId="{03BDE8C0-9502-4469-9D77-3D5CFF72AEC1}" destId="{16D9AE1A-F4C0-264B-BE2F-C2C3BE73C7D1}" srcOrd="1" destOrd="0" presId="urn:microsoft.com/office/officeart/2016/7/layout/LinearBlockProcessNumbered"/>
+    <dgm:cxn modelId="{59DCC437-63BB-0B4D-AA74-8C9117452B75}" type="presOf" srcId="{DE247FE2-824F-47C1-82E1-7A68E3E55E03}" destId="{FBC2CC03-60E4-5E40-9971-02A35B6AEF6C}" srcOrd="1" destOrd="0" presId="urn:microsoft.com/office/officeart/2016/7/layout/LinearBlockProcessNumbered"/>
+    <dgm:cxn modelId="{93F38D68-5791-664A-BFB2-4BE751A4C4F7}" type="presOf" srcId="{DE247FE2-824F-47C1-82E1-7A68E3E55E03}" destId="{FA7F4DAD-087C-F940-9757-DAA3DFCC233A}" srcOrd="0" destOrd="0" presId="urn:microsoft.com/office/officeart/2016/7/layout/LinearBlockProcessNumbered"/>
+    <dgm:cxn modelId="{06A14278-2356-F741-BAC7-7E22BCE93B1D}" type="presOf" srcId="{4AA13664-9D4C-44FE-BFD4-ED28BD3CA464}" destId="{E6EDF358-1E3E-B04C-B846-93A82DAFD2C3}" srcOrd="0" destOrd="0" presId="urn:microsoft.com/office/officeart/2016/7/layout/LinearBlockProcessNumbered"/>
     <dgm:cxn modelId="{42F8EE7A-5A5C-4B2C-8E27-F6EA7879EA6E}" srcId="{9127A189-7962-4A8A-B3C5-7DD4FF4B8CB5}" destId="{F50DF98B-1AE2-4DE2-AAA1-C9B0B7F908D5}" srcOrd="2" destOrd="0" parTransId="{52918051-4516-44EA-9D7B-5181BF246B85}" sibTransId="{AE142159-D5EA-426A-8950-EC2954A2573D}"/>
-    <dgm:cxn modelId="{0579907B-624E-5C40-A48F-AD7104BA93B0}" type="presOf" srcId="{2C21A2F5-2299-4A61-91C8-51FE9BF7B124}" destId="{854A7EB1-7F94-244E-94E6-4981FD8D9773}" srcOrd="0" destOrd="0" presId="urn:microsoft.com/office/officeart/2016/7/layout/LinearBlockProcessNumbered"/>
-    <dgm:cxn modelId="{59E0A481-F1DC-D349-ADC7-2A96773E7790}" type="presOf" srcId="{9127A189-7962-4A8A-B3C5-7DD4FF4B8CB5}" destId="{220FF237-B650-5841-BAE9-BEC4629D8480}" srcOrd="0" destOrd="0" presId="urn:microsoft.com/office/officeart/2016/7/layout/LinearBlockProcessNumbered"/>
-    <dgm:cxn modelId="{5E1F5785-0225-F942-A78C-8BF59C2D0085}" type="presOf" srcId="{03BDE8C0-9502-4469-9D77-3D5CFF72AEC1}" destId="{B57714CB-C4F1-D142-BB97-4279D3470DE6}" srcOrd="0" destOrd="0" presId="urn:microsoft.com/office/officeart/2016/7/layout/LinearBlockProcessNumbered"/>
-    <dgm:cxn modelId="{DECBE8A8-53F5-D54B-B032-178814D08585}" type="presOf" srcId="{DE247FE2-824F-47C1-82E1-7A68E3E55E03}" destId="{FBC2CC03-60E4-5E40-9971-02A35B6AEF6C}" srcOrd="1" destOrd="0" presId="urn:microsoft.com/office/officeart/2016/7/layout/LinearBlockProcessNumbered"/>
+    <dgm:cxn modelId="{3CCED37F-FD3E-9F48-A7AD-7AC0B2D4F2DD}" type="presOf" srcId="{2C21A2F5-2299-4A61-91C8-51FE9BF7B124}" destId="{854A7EB1-7F94-244E-94E6-4981FD8D9773}" srcOrd="0" destOrd="0" presId="urn:microsoft.com/office/officeart/2016/7/layout/LinearBlockProcessNumbered"/>
+    <dgm:cxn modelId="{247B41A8-49A9-2F46-A32F-EFC89C80036E}" type="presOf" srcId="{F50DF98B-1AE2-4DE2-AAA1-C9B0B7F908D5}" destId="{E4964E7B-5E4D-A042-8A69-043D3BE8CB49}" srcOrd="0" destOrd="0" presId="urn:microsoft.com/office/officeart/2016/7/layout/LinearBlockProcessNumbered"/>
+    <dgm:cxn modelId="{7C8C7FAF-04D5-7847-BBAB-20021B423ADB}" type="presOf" srcId="{AE142159-D5EA-426A-8950-EC2954A2573D}" destId="{D4518AE7-0DCF-9D41-BE78-C831AAB4BC1D}" srcOrd="0" destOrd="0" presId="urn:microsoft.com/office/officeart/2016/7/layout/LinearBlockProcessNumbered"/>
     <dgm:cxn modelId="{5CF326B5-035F-4E79-94C1-8DC0BB8D3514}" srcId="{9127A189-7962-4A8A-B3C5-7DD4FF4B8CB5}" destId="{DE247FE2-824F-47C1-82E1-7A68E3E55E03}" srcOrd="1" destOrd="0" parTransId="{F6AB03C3-4C85-4233-BA3F-2127F7E4D05E}" sibTransId="{2C21A2F5-2299-4A61-91C8-51FE9BF7B124}"/>
-    <dgm:cxn modelId="{FECD44F0-1AD3-0C46-976A-4DDA027D6858}" type="presOf" srcId="{4AA13664-9D4C-44FE-BFD4-ED28BD3CA464}" destId="{E6EDF358-1E3E-B04C-B846-93A82DAFD2C3}" srcOrd="0" destOrd="0" presId="urn:microsoft.com/office/officeart/2016/7/layout/LinearBlockProcessNumbered"/>
-    <dgm:cxn modelId="{8756BFF2-C881-094E-8F8B-6BCCF3867365}" type="presOf" srcId="{03BDE8C0-9502-4469-9D77-3D5CFF72AEC1}" destId="{16D9AE1A-F4C0-264B-BE2F-C2C3BE73C7D1}" srcOrd="1" destOrd="0" presId="urn:microsoft.com/office/officeart/2016/7/layout/LinearBlockProcessNumbered"/>
+    <dgm:cxn modelId="{3163C2D3-52A5-AA44-98ED-8914753DA45B}" type="presOf" srcId="{F50DF98B-1AE2-4DE2-AAA1-C9B0B7F908D5}" destId="{AB62B60E-3CA5-AA40-BDE2-03CEA06149F8}" srcOrd="1" destOrd="0" presId="urn:microsoft.com/office/officeart/2016/7/layout/LinearBlockProcessNumbered"/>
     <dgm:cxn modelId="{F683CCF5-57C5-4726-B892-7351840632DE}" srcId="{9127A189-7962-4A8A-B3C5-7DD4FF4B8CB5}" destId="{03BDE8C0-9502-4469-9D77-3D5CFF72AEC1}" srcOrd="0" destOrd="0" parTransId="{9136FC5F-ADD5-4EBD-A6E7-4683AE454D7A}" sibTransId="{4AA13664-9D4C-44FE-BFD4-ED28BD3CA464}"/>
-    <dgm:cxn modelId="{FFD39E72-612E-2E4F-8EA1-90E0F79B3C8B}" type="presParOf" srcId="{220FF237-B650-5841-BAE9-BEC4629D8480}" destId="{B12C1DCA-F83B-7D49-A720-6E08A11C6285}" srcOrd="0" destOrd="0" presId="urn:microsoft.com/office/officeart/2016/7/layout/LinearBlockProcessNumbered"/>
-    <dgm:cxn modelId="{508FA145-DB6C-CB42-BA65-4437CE90A5C0}" type="presParOf" srcId="{B12C1DCA-F83B-7D49-A720-6E08A11C6285}" destId="{B57714CB-C4F1-D142-BB97-4279D3470DE6}" srcOrd="0" destOrd="0" presId="urn:microsoft.com/office/officeart/2016/7/layout/LinearBlockProcessNumbered"/>
-    <dgm:cxn modelId="{694DAD9B-075F-5E4C-819A-B6F2DF878F6B}" type="presParOf" srcId="{B12C1DCA-F83B-7D49-A720-6E08A11C6285}" destId="{E6EDF358-1E3E-B04C-B846-93A82DAFD2C3}" srcOrd="1" destOrd="0" presId="urn:microsoft.com/office/officeart/2016/7/layout/LinearBlockProcessNumbered"/>
-    <dgm:cxn modelId="{7FCE26F8-EB10-5643-B28C-490A94019804}" type="presParOf" srcId="{B12C1DCA-F83B-7D49-A720-6E08A11C6285}" destId="{16D9AE1A-F4C0-264B-BE2F-C2C3BE73C7D1}" srcOrd="2" destOrd="0" presId="urn:microsoft.com/office/officeart/2016/7/layout/LinearBlockProcessNumbered"/>
-    <dgm:cxn modelId="{54EF8085-BB28-FC4F-A8DE-3245A8C910E2}" type="presParOf" srcId="{220FF237-B650-5841-BAE9-BEC4629D8480}" destId="{467B8A71-50AB-E24C-9AC8-8E78ADACCCC1}" srcOrd="1" destOrd="0" presId="urn:microsoft.com/office/officeart/2016/7/layout/LinearBlockProcessNumbered"/>
-    <dgm:cxn modelId="{7D6E40FA-8E9E-2043-881C-767E7F6ACC56}" type="presParOf" srcId="{220FF237-B650-5841-BAE9-BEC4629D8480}" destId="{0E4FA31E-39E2-994E-8D27-2D5D80D56AFD}" srcOrd="2" destOrd="0" presId="urn:microsoft.com/office/officeart/2016/7/layout/LinearBlockProcessNumbered"/>
-    <dgm:cxn modelId="{EF08C9DC-5CC3-5040-9C33-966449EF62F1}" type="presParOf" srcId="{0E4FA31E-39E2-994E-8D27-2D5D80D56AFD}" destId="{FA7F4DAD-087C-F940-9757-DAA3DFCC233A}" srcOrd="0" destOrd="0" presId="urn:microsoft.com/office/officeart/2016/7/layout/LinearBlockProcessNumbered"/>
-    <dgm:cxn modelId="{2037FBB7-F17A-6F4E-B64A-B73D01BF8A86}" type="presParOf" srcId="{0E4FA31E-39E2-994E-8D27-2D5D80D56AFD}" destId="{854A7EB1-7F94-244E-94E6-4981FD8D9773}" srcOrd="1" destOrd="0" presId="urn:microsoft.com/office/officeart/2016/7/layout/LinearBlockProcessNumbered"/>
-    <dgm:cxn modelId="{89D845B5-9DAC-3C41-BB4B-869F0B95BD47}" type="presParOf" srcId="{0E4FA31E-39E2-994E-8D27-2D5D80D56AFD}" destId="{FBC2CC03-60E4-5E40-9971-02A35B6AEF6C}" srcOrd="2" destOrd="0" presId="urn:microsoft.com/office/officeart/2016/7/layout/LinearBlockProcessNumbered"/>
-    <dgm:cxn modelId="{52B16FE5-AF4E-B242-9B19-567782589358}" type="presParOf" srcId="{220FF237-B650-5841-BAE9-BEC4629D8480}" destId="{6B78D5B9-9E9D-2F44-87FC-0D6033F8428E}" srcOrd="3" destOrd="0" presId="urn:microsoft.com/office/officeart/2016/7/layout/LinearBlockProcessNumbered"/>
-    <dgm:cxn modelId="{24CC6252-FA62-484D-8BBA-EADC255914D5}" type="presParOf" srcId="{220FF237-B650-5841-BAE9-BEC4629D8480}" destId="{363D8362-73D7-724B-9D7F-8513D7064B49}" srcOrd="4" destOrd="0" presId="urn:microsoft.com/office/officeart/2016/7/layout/LinearBlockProcessNumbered"/>
-    <dgm:cxn modelId="{E7080152-799F-9049-A66B-B248B863CD0B}" type="presParOf" srcId="{363D8362-73D7-724B-9D7F-8513D7064B49}" destId="{E4964E7B-5E4D-A042-8A69-043D3BE8CB49}" srcOrd="0" destOrd="0" presId="urn:microsoft.com/office/officeart/2016/7/layout/LinearBlockProcessNumbered"/>
-    <dgm:cxn modelId="{7179B0FF-B065-574B-8B72-1370357D5801}" type="presParOf" srcId="{363D8362-73D7-724B-9D7F-8513D7064B49}" destId="{D4518AE7-0DCF-9D41-BE78-C831AAB4BC1D}" srcOrd="1" destOrd="0" presId="urn:microsoft.com/office/officeart/2016/7/layout/LinearBlockProcessNumbered"/>
-    <dgm:cxn modelId="{ED1BBA37-B144-3941-BBC7-F3824C4DDECC}" type="presParOf" srcId="{363D8362-73D7-724B-9D7F-8513D7064B49}" destId="{AB62B60E-3CA5-AA40-BDE2-03CEA06149F8}" srcOrd="2" destOrd="0" presId="urn:microsoft.com/office/officeart/2016/7/layout/LinearBlockProcessNumbered"/>
+    <dgm:cxn modelId="{5951A1F7-3690-9446-AF08-20FD523DEEDA}" type="presOf" srcId="{03BDE8C0-9502-4469-9D77-3D5CFF72AEC1}" destId="{B57714CB-C4F1-D142-BB97-4279D3470DE6}" srcOrd="0" destOrd="0" presId="urn:microsoft.com/office/officeart/2016/7/layout/LinearBlockProcessNumbered"/>
+    <dgm:cxn modelId="{0CE133AE-1174-AC4A-AA62-EEA81220C1D5}" type="presParOf" srcId="{220FF237-B650-5841-BAE9-BEC4629D8480}" destId="{B12C1DCA-F83B-7D49-A720-6E08A11C6285}" srcOrd="0" destOrd="0" presId="urn:microsoft.com/office/officeart/2016/7/layout/LinearBlockProcessNumbered"/>
+    <dgm:cxn modelId="{20E48B64-E926-504B-A34F-B3277F60685E}" type="presParOf" srcId="{B12C1DCA-F83B-7D49-A720-6E08A11C6285}" destId="{B57714CB-C4F1-D142-BB97-4279D3470DE6}" srcOrd="0" destOrd="0" presId="urn:microsoft.com/office/officeart/2016/7/layout/LinearBlockProcessNumbered"/>
+    <dgm:cxn modelId="{743A6F5D-4D29-6243-B5AE-51E4E5C54CCD}" type="presParOf" srcId="{B12C1DCA-F83B-7D49-A720-6E08A11C6285}" destId="{E6EDF358-1E3E-B04C-B846-93A82DAFD2C3}" srcOrd="1" destOrd="0" presId="urn:microsoft.com/office/officeart/2016/7/layout/LinearBlockProcessNumbered"/>
+    <dgm:cxn modelId="{9C7CDF4D-55D1-564D-87D1-0CD9E2967717}" type="presParOf" srcId="{B12C1DCA-F83B-7D49-A720-6E08A11C6285}" destId="{16D9AE1A-F4C0-264B-BE2F-C2C3BE73C7D1}" srcOrd="2" destOrd="0" presId="urn:microsoft.com/office/officeart/2016/7/layout/LinearBlockProcessNumbered"/>
+    <dgm:cxn modelId="{3DF2D16E-77E0-2A4B-B62A-3E394CE287DC}" type="presParOf" srcId="{220FF237-B650-5841-BAE9-BEC4629D8480}" destId="{467B8A71-50AB-E24C-9AC8-8E78ADACCCC1}" srcOrd="1" destOrd="0" presId="urn:microsoft.com/office/officeart/2016/7/layout/LinearBlockProcessNumbered"/>
+    <dgm:cxn modelId="{462D8237-DB50-074C-B136-9F13E8D68C18}" type="presParOf" srcId="{220FF237-B650-5841-BAE9-BEC4629D8480}" destId="{0E4FA31E-39E2-994E-8D27-2D5D80D56AFD}" srcOrd="2" destOrd="0" presId="urn:microsoft.com/office/officeart/2016/7/layout/LinearBlockProcessNumbered"/>
+    <dgm:cxn modelId="{2A29F70D-6B60-1640-8ECE-EEACE2C8700D}" type="presParOf" srcId="{0E4FA31E-39E2-994E-8D27-2D5D80D56AFD}" destId="{FA7F4DAD-087C-F940-9757-DAA3DFCC233A}" srcOrd="0" destOrd="0" presId="urn:microsoft.com/office/officeart/2016/7/layout/LinearBlockProcessNumbered"/>
+    <dgm:cxn modelId="{299F753E-806F-1F47-96B1-D7E5B238C38C}" type="presParOf" srcId="{0E4FA31E-39E2-994E-8D27-2D5D80D56AFD}" destId="{854A7EB1-7F94-244E-94E6-4981FD8D9773}" srcOrd="1" destOrd="0" presId="urn:microsoft.com/office/officeart/2016/7/layout/LinearBlockProcessNumbered"/>
+    <dgm:cxn modelId="{9F80E747-06ED-0348-9997-7635A64F8680}" type="presParOf" srcId="{0E4FA31E-39E2-994E-8D27-2D5D80D56AFD}" destId="{FBC2CC03-60E4-5E40-9971-02A35B6AEF6C}" srcOrd="2" destOrd="0" presId="urn:microsoft.com/office/officeart/2016/7/layout/LinearBlockProcessNumbered"/>
+    <dgm:cxn modelId="{AEDF8BEC-F688-9548-8739-CDB36C649DA2}" type="presParOf" srcId="{220FF237-B650-5841-BAE9-BEC4629D8480}" destId="{6B78D5B9-9E9D-2F44-87FC-0D6033F8428E}" srcOrd="3" destOrd="0" presId="urn:microsoft.com/office/officeart/2016/7/layout/LinearBlockProcessNumbered"/>
+    <dgm:cxn modelId="{9A1723D3-EDBF-584A-83D5-F6CC1B689B5F}" type="presParOf" srcId="{220FF237-B650-5841-BAE9-BEC4629D8480}" destId="{363D8362-73D7-724B-9D7F-8513D7064B49}" srcOrd="4" destOrd="0" presId="urn:microsoft.com/office/officeart/2016/7/layout/LinearBlockProcessNumbered"/>
+    <dgm:cxn modelId="{1129AB2C-43F8-D44C-BCAA-9C5B2DD3DC75}" type="presParOf" srcId="{363D8362-73D7-724B-9D7F-8513D7064B49}" destId="{E4964E7B-5E4D-A042-8A69-043D3BE8CB49}" srcOrd="0" destOrd="0" presId="urn:microsoft.com/office/officeart/2016/7/layout/LinearBlockProcessNumbered"/>
+    <dgm:cxn modelId="{B2789DEC-FA2F-DB40-8321-B30F031B8BFE}" type="presParOf" srcId="{363D8362-73D7-724B-9D7F-8513D7064B49}" destId="{D4518AE7-0DCF-9D41-BE78-C831AAB4BC1D}" srcOrd="1" destOrd="0" presId="urn:microsoft.com/office/officeart/2016/7/layout/LinearBlockProcessNumbered"/>
+    <dgm:cxn modelId="{14DFC031-2522-9640-9566-8DF1089B1F98}" type="presParOf" srcId="{363D8362-73D7-724B-9D7F-8513D7064B49}" destId="{AB62B60E-3CA5-AA40-BDE2-03CEA06149F8}" srcOrd="2" destOrd="0" presId="urn:microsoft.com/office/officeart/2016/7/layout/LinearBlockProcessNumbered"/>
   </dgm:cxnLst>
   <dgm:bg/>
   <dgm:whole/>
@@ -9786,8 +9821,8 @@
             <a:buNone/>
           </a:pPr>
           <a:r>
-            <a:rPr lang="en-US" sz="1800" kern="1200"/>
-            <a:t>Live examples and project ideas</a:t>
+            <a:rPr lang="en-US" sz="1800" kern="1200" dirty="0"/>
+            <a:t>Live example /  project ideas</a:t>
           </a:r>
         </a:p>
       </dsp:txBody>
@@ -10610,57 +10645,15 @@
       <dsp:cNvGrpSpPr/>
     </dsp:nvGrpSpPr>
     <dsp:grpSpPr/>
-    <dsp:sp modelId="{8C519BC3-D1F7-4F07-8ED1-175F5DA310D2}">
+    <dsp:sp modelId="{DDD23FAA-0A4A-4950-ACEB-8F2EC9D69A9C}">
       <dsp:nvSpPr>
         <dsp:cNvPr id="0" name=""/>
         <dsp:cNvSpPr/>
       </dsp:nvSpPr>
       <dsp:spPr>
         <a:xfrm>
-          <a:off x="0" y="511"/>
-          <a:ext cx="8195871" cy="1197651"/>
-        </a:xfrm>
-        <a:prstGeom prst="roundRect">
-          <a:avLst>
-            <a:gd name="adj" fmla="val 10000"/>
-          </a:avLst>
-        </a:prstGeom>
-        <a:solidFill>
-          <a:schemeClr val="bg1">
-            <a:lumMod val="95000"/>
-            <a:hueOff val="0"/>
-            <a:satOff val="0"/>
-            <a:lumOff val="0"/>
-            <a:alphaOff val="0"/>
-          </a:schemeClr>
-        </a:solidFill>
-        <a:ln>
-          <a:noFill/>
-        </a:ln>
-        <a:effectLst/>
-      </dsp:spPr>
-      <dsp:style>
-        <a:lnRef idx="0">
-          <a:scrgbClr r="0" g="0" b="0"/>
-        </a:lnRef>
-        <a:fillRef idx="1">
-          <a:scrgbClr r="0" g="0" b="0"/>
-        </a:fillRef>
-        <a:effectRef idx="0">
-          <a:scrgbClr r="0" g="0" b="0"/>
-        </a:effectRef>
-        <a:fontRef idx="minor"/>
-      </dsp:style>
-    </dsp:sp>
-    <dsp:sp modelId="{B74766F8-469B-4AE8-9BF4-DA6FE455A914}">
-      <dsp:nvSpPr>
-        <dsp:cNvPr id="0" name=""/>
-        <dsp:cNvSpPr/>
-      </dsp:nvSpPr>
-      <dsp:spPr>
-        <a:xfrm>
-          <a:off x="362289" y="269983"/>
-          <a:ext cx="658708" cy="658708"/>
+          <a:off x="738477" y="785900"/>
+          <a:ext cx="1079825" cy="1079825"/>
         </a:xfrm>
         <a:prstGeom prst="rect">
           <a:avLst/>
@@ -10681,15 +10674,7 @@
           </a:stretch>
         </a:blipFill>
         <a:ln w="25400" cap="flat" cmpd="sng" algn="ctr">
-          <a:solidFill>
-            <a:schemeClr val="lt1">
-              <a:alpha val="0"/>
-              <a:hueOff val="0"/>
-              <a:satOff val="0"/>
-              <a:lumOff val="0"/>
-              <a:alphaOff val="0"/>
-            </a:schemeClr>
-          </a:solidFill>
+          <a:noFill/>
           <a:prstDash val="solid"/>
         </a:ln>
         <a:effectLst/>
@@ -10709,15 +10694,15 @@
         </a:fontRef>
       </dsp:style>
     </dsp:sp>
-    <dsp:sp modelId="{F1A49EED-CFC9-4DC7-A3E2-EF1D294562F1}">
+    <dsp:sp modelId="{674DE838-AC5C-4756-8F35-BB143AB8BC8D}">
       <dsp:nvSpPr>
         <dsp:cNvPr id="0" name=""/>
         <dsp:cNvSpPr/>
       </dsp:nvSpPr>
       <dsp:spPr>
         <a:xfrm>
-          <a:off x="1383287" y="511"/>
-          <a:ext cx="6812583" cy="1197651"/>
+          <a:off x="78583" y="2183504"/>
+          <a:ext cx="2399612" cy="720000"/>
         </a:xfrm>
         <a:prstGeom prst="rect">
           <a:avLst/>
@@ -10741,12 +10726,12 @@
         <a:fontRef idx="minor"/>
       </dsp:style>
       <dsp:txBody>
-        <a:bodyPr spcFirstLastPara="0" vert="horz" wrap="square" lIns="126751" tIns="126751" rIns="126751" bIns="126751" numCol="1" spcCol="1270" anchor="ctr" anchorCtr="0">
+        <a:bodyPr spcFirstLastPara="0" vert="horz" wrap="square" lIns="0" tIns="0" rIns="0" bIns="0" numCol="1" spcCol="1270" anchor="t" anchorCtr="0">
           <a:noAutofit/>
         </a:bodyPr>
         <a:lstStyle/>
         <a:p>
-          <a:pPr marL="0" lvl="0" indent="0" algn="l" defTabSz="1111250">
+          <a:pPr marL="0" lvl="0" indent="0" algn="ctr" defTabSz="711200">
             <a:lnSpc>
               <a:spcPct val="100000"/>
             </a:lnSpc>
@@ -10759,67 +10744,25 @@
             <a:buNone/>
           </a:pPr>
           <a:r>
-            <a:rPr lang="en-US" sz="2500" kern="1200"/>
+            <a:rPr lang="en-US" sz="1600" kern="1200"/>
             <a:t>Drive your own research questions</a:t>
           </a:r>
         </a:p>
       </dsp:txBody>
       <dsp:txXfrm>
-        <a:off x="1383287" y="511"/>
-        <a:ext cx="6812583" cy="1197651"/>
+        <a:off x="78583" y="2183504"/>
+        <a:ext cx="2399612" cy="720000"/>
       </dsp:txXfrm>
     </dsp:sp>
-    <dsp:sp modelId="{24641A4B-38E9-4385-A5F3-31BC3792B9FD}">
+    <dsp:sp modelId="{17F449AE-DBE0-4A05-B9EF-E64F1531AF76}">
       <dsp:nvSpPr>
         <dsp:cNvPr id="0" name=""/>
         <dsp:cNvSpPr/>
       </dsp:nvSpPr>
       <dsp:spPr>
         <a:xfrm>
-          <a:off x="0" y="1497576"/>
-          <a:ext cx="8195871" cy="1197651"/>
-        </a:xfrm>
-        <a:prstGeom prst="roundRect">
-          <a:avLst>
-            <a:gd name="adj" fmla="val 10000"/>
-          </a:avLst>
-        </a:prstGeom>
-        <a:solidFill>
-          <a:schemeClr val="bg1">
-            <a:lumMod val="95000"/>
-            <a:hueOff val="0"/>
-            <a:satOff val="0"/>
-            <a:lumOff val="0"/>
-            <a:alphaOff val="0"/>
-          </a:schemeClr>
-        </a:solidFill>
-        <a:ln>
-          <a:noFill/>
-        </a:ln>
-        <a:effectLst/>
-      </dsp:spPr>
-      <dsp:style>
-        <a:lnRef idx="0">
-          <a:scrgbClr r="0" g="0" b="0"/>
-        </a:lnRef>
-        <a:fillRef idx="1">
-          <a:scrgbClr r="0" g="0" b="0"/>
-        </a:fillRef>
-        <a:effectRef idx="0">
-          <a:scrgbClr r="0" g="0" b="0"/>
-        </a:effectRef>
-        <a:fontRef idx="minor"/>
-      </dsp:style>
-    </dsp:sp>
-    <dsp:sp modelId="{45D7297C-FFD7-4BAB-BCDC-368F47EB30A1}">
-      <dsp:nvSpPr>
-        <dsp:cNvPr id="0" name=""/>
-        <dsp:cNvSpPr/>
-      </dsp:nvSpPr>
-      <dsp:spPr>
-        <a:xfrm>
-          <a:off x="362289" y="1767048"/>
-          <a:ext cx="658708" cy="658708"/>
+          <a:off x="3558022" y="785900"/>
+          <a:ext cx="1079825" cy="1079825"/>
         </a:xfrm>
         <a:prstGeom prst="rect">
           <a:avLst/>
@@ -10840,15 +10783,7 @@
           </a:stretch>
         </a:blipFill>
         <a:ln w="25400" cap="flat" cmpd="sng" algn="ctr">
-          <a:solidFill>
-            <a:schemeClr val="lt1">
-              <a:alpha val="0"/>
-              <a:hueOff val="0"/>
-              <a:satOff val="0"/>
-              <a:lumOff val="0"/>
-              <a:alphaOff val="0"/>
-            </a:schemeClr>
-          </a:solidFill>
+          <a:noFill/>
           <a:prstDash val="solid"/>
         </a:ln>
         <a:effectLst/>
@@ -10868,15 +10803,15 @@
         </a:fontRef>
       </dsp:style>
     </dsp:sp>
-    <dsp:sp modelId="{9F593C05-2E7C-49F7-8E26-36FB9908F4BC}">
+    <dsp:sp modelId="{F38BA631-E8F1-40D0-8AEA-4ACB60E93E94}">
       <dsp:nvSpPr>
         <dsp:cNvPr id="0" name=""/>
         <dsp:cNvSpPr/>
       </dsp:nvSpPr>
       <dsp:spPr>
         <a:xfrm>
-          <a:off x="1383287" y="1497576"/>
-          <a:ext cx="6812583" cy="1197651"/>
+          <a:off x="2898129" y="2183504"/>
+          <a:ext cx="2399612" cy="720000"/>
         </a:xfrm>
         <a:prstGeom prst="rect">
           <a:avLst/>
@@ -10900,12 +10835,12 @@
         <a:fontRef idx="minor"/>
       </dsp:style>
       <dsp:txBody>
-        <a:bodyPr spcFirstLastPara="0" vert="horz" wrap="square" lIns="126751" tIns="126751" rIns="126751" bIns="126751" numCol="1" spcCol="1270" anchor="ctr" anchorCtr="0">
+        <a:bodyPr spcFirstLastPara="0" vert="horz" wrap="square" lIns="0" tIns="0" rIns="0" bIns="0" numCol="1" spcCol="1270" anchor="t" anchorCtr="0">
           <a:noAutofit/>
         </a:bodyPr>
         <a:lstStyle/>
         <a:p>
-          <a:pPr marL="0" lvl="0" indent="0" algn="l" defTabSz="1111250">
+          <a:pPr marL="0" lvl="0" indent="0" algn="ctr" defTabSz="711200">
             <a:lnSpc>
               <a:spcPct val="100000"/>
             </a:lnSpc>
@@ -10918,67 +10853,25 @@
             <a:buNone/>
           </a:pPr>
           <a:r>
-            <a:rPr lang="en-US" sz="2500" kern="1200"/>
+            <a:rPr lang="en-US" sz="1600" kern="1200"/>
             <a:t>Practice real-world skills: EDA, modeling, visualization</a:t>
           </a:r>
         </a:p>
       </dsp:txBody>
       <dsp:txXfrm>
-        <a:off x="1383287" y="1497576"/>
-        <a:ext cx="6812583" cy="1197651"/>
+        <a:off x="2898129" y="2183504"/>
+        <a:ext cx="2399612" cy="720000"/>
       </dsp:txXfrm>
     </dsp:sp>
-    <dsp:sp modelId="{8ED4D044-F93B-43C0-B506-CAF02AA1920A}">
+    <dsp:sp modelId="{357EB0F0-756B-4E4A-8FD3-2503799084EC}">
       <dsp:nvSpPr>
         <dsp:cNvPr id="0" name=""/>
         <dsp:cNvSpPr/>
       </dsp:nvSpPr>
       <dsp:spPr>
         <a:xfrm>
-          <a:off x="0" y="2994641"/>
-          <a:ext cx="8195871" cy="1197651"/>
-        </a:xfrm>
-        <a:prstGeom prst="roundRect">
-          <a:avLst>
-            <a:gd name="adj" fmla="val 10000"/>
-          </a:avLst>
-        </a:prstGeom>
-        <a:solidFill>
-          <a:schemeClr val="bg1">
-            <a:lumMod val="95000"/>
-            <a:hueOff val="0"/>
-            <a:satOff val="0"/>
-            <a:lumOff val="0"/>
-            <a:alphaOff val="0"/>
-          </a:schemeClr>
-        </a:solidFill>
-        <a:ln>
-          <a:noFill/>
-        </a:ln>
-        <a:effectLst/>
-      </dsp:spPr>
-      <dsp:style>
-        <a:lnRef idx="0">
-          <a:scrgbClr r="0" g="0" b="0"/>
-        </a:lnRef>
-        <a:fillRef idx="1">
-          <a:scrgbClr r="0" g="0" b="0"/>
-        </a:fillRef>
-        <a:effectRef idx="0">
-          <a:scrgbClr r="0" g="0" b="0"/>
-        </a:effectRef>
-        <a:fontRef idx="minor"/>
-      </dsp:style>
-    </dsp:sp>
-    <dsp:sp modelId="{85ED3A09-0C14-4E76-A25D-53EA4B4C32B1}">
-      <dsp:nvSpPr>
-        <dsp:cNvPr id="0" name=""/>
-        <dsp:cNvSpPr/>
-      </dsp:nvSpPr>
-      <dsp:spPr>
-        <a:xfrm>
-          <a:off x="362289" y="3264113"/>
-          <a:ext cx="658708" cy="658708"/>
+          <a:off x="6377567" y="785900"/>
+          <a:ext cx="1079825" cy="1079825"/>
         </a:xfrm>
         <a:prstGeom prst="rect">
           <a:avLst/>
@@ -10999,15 +10892,7 @@
           </a:stretch>
         </a:blipFill>
         <a:ln w="25400" cap="flat" cmpd="sng" algn="ctr">
-          <a:solidFill>
-            <a:schemeClr val="lt1">
-              <a:alpha val="0"/>
-              <a:hueOff val="0"/>
-              <a:satOff val="0"/>
-              <a:lumOff val="0"/>
-              <a:alphaOff val="0"/>
-            </a:schemeClr>
-          </a:solidFill>
+          <a:noFill/>
           <a:prstDash val="solid"/>
         </a:ln>
         <a:effectLst/>
@@ -11027,15 +10912,15 @@
         </a:fontRef>
       </dsp:style>
     </dsp:sp>
-    <dsp:sp modelId="{7136FA93-B3D3-4032-A63C-661473C142E2}">
+    <dsp:sp modelId="{D421EF72-7330-4890-8C49-B425298971F2}">
       <dsp:nvSpPr>
         <dsp:cNvPr id="0" name=""/>
         <dsp:cNvSpPr/>
       </dsp:nvSpPr>
       <dsp:spPr>
         <a:xfrm>
-          <a:off x="1383287" y="2994641"/>
-          <a:ext cx="6812583" cy="1197651"/>
+          <a:off x="5717674" y="2183504"/>
+          <a:ext cx="2399612" cy="720000"/>
         </a:xfrm>
         <a:prstGeom prst="rect">
           <a:avLst/>
@@ -11059,12 +10944,12 @@
         <a:fontRef idx="minor"/>
       </dsp:style>
       <dsp:txBody>
-        <a:bodyPr spcFirstLastPara="0" vert="horz" wrap="square" lIns="126751" tIns="126751" rIns="126751" bIns="126751" numCol="1" spcCol="1270" anchor="ctr" anchorCtr="0">
+        <a:bodyPr spcFirstLastPara="0" vert="horz" wrap="square" lIns="0" tIns="0" rIns="0" bIns="0" numCol="1" spcCol="1270" anchor="t" anchorCtr="0">
           <a:noAutofit/>
         </a:bodyPr>
         <a:lstStyle/>
         <a:p>
-          <a:pPr marL="0" lvl="0" indent="0" algn="l" defTabSz="1111250">
+          <a:pPr marL="0" lvl="0" indent="0" algn="ctr" defTabSz="711200">
             <a:lnSpc>
               <a:spcPct val="100000"/>
             </a:lnSpc>
@@ -11077,14 +10962,14 @@
             <a:buNone/>
           </a:pPr>
           <a:r>
-            <a:rPr lang="en-US" sz="2500" kern="1200"/>
+            <a:rPr lang="en-US" sz="1600" kern="1200"/>
             <a:t>Build a portfolio that resonates with employers</a:t>
           </a:r>
         </a:p>
       </dsp:txBody>
       <dsp:txXfrm>
-        <a:off x="1383287" y="2994641"/>
-        <a:ext cx="6812583" cy="1197651"/>
+        <a:off x="5717674" y="2183504"/>
+        <a:ext cx="2399612" cy="720000"/>
       </dsp:txXfrm>
     </dsp:sp>
   </dsp:spTree>
@@ -12032,8 +11917,8 @@
             <a:buNone/>
           </a:pPr>
           <a:r>
-            <a:rPr lang="en-US" sz="3300" kern="1200"/>
-            <a:t>Clean datasets with missing ECOG/stage data</a:t>
+            <a:rPr lang="en-US" sz="3300" kern="1200" dirty="0"/>
+            <a:t>Clean datasets</a:t>
           </a:r>
         </a:p>
       </dsp:txBody>
@@ -12190,8 +12075,8 @@
       </dsp:nvSpPr>
       <dsp:spPr>
         <a:xfrm>
-          <a:off x="640" y="540467"/>
-          <a:ext cx="2593224" cy="3111869"/>
+          <a:off x="616" y="679031"/>
+          <a:ext cx="2495401" cy="2994481"/>
         </a:xfrm>
         <a:prstGeom prst="rect">
           <a:avLst/>
@@ -12232,12 +12117,12 @@
         </a:fontRef>
       </dsp:style>
       <dsp:txBody>
-        <a:bodyPr spcFirstLastPara="0" vert="horz" wrap="square" lIns="256153" tIns="0" rIns="256153" bIns="330200" numCol="1" spcCol="1270" anchor="t" anchorCtr="0">
+        <a:bodyPr spcFirstLastPara="0" vert="horz" wrap="square" lIns="246490" tIns="0" rIns="246490" bIns="330200" numCol="1" spcCol="1270" anchor="t" anchorCtr="0">
           <a:noAutofit/>
         </a:bodyPr>
         <a:lstStyle/>
         <a:p>
-          <a:pPr marL="0" lvl="0" indent="0" algn="l" defTabSz="977900">
+          <a:pPr marL="0" lvl="0" indent="0" algn="l" defTabSz="889000">
             <a:lnSpc>
               <a:spcPct val="90000"/>
             </a:lnSpc>
@@ -12250,14 +12135,19 @@
             <a:buNone/>
           </a:pPr>
           <a:r>
-            <a:rPr lang="en-US" sz="2200" kern="1200"/>
-            <a:t>Choose chart types for epidemiology: funnel, violin plots</a:t>
+            <a:rPr lang="en-US" sz="2000" kern="1200" dirty="0"/>
+            <a:t>Choose chart types for epidemiology: bar charts, histograms, violin plots, </a:t>
           </a:r>
+          <a:r>
+            <a:rPr lang="en-US" sz="2000" kern="1200" dirty="0" err="1"/>
+            <a:t>heatmapd</a:t>
+          </a:r>
+          <a:endParaRPr lang="en-US" sz="2000" kern="1200" dirty="0"/>
         </a:p>
       </dsp:txBody>
       <dsp:txXfrm>
-        <a:off x="640" y="1785215"/>
-        <a:ext cx="2593224" cy="1867121"/>
+        <a:off x="616" y="1876823"/>
+        <a:ext cx="2495401" cy="1796688"/>
       </dsp:txXfrm>
     </dsp:sp>
     <dsp:sp modelId="{E6EDF358-1E3E-B04C-B846-93A82DAFD2C3}">
@@ -12267,8 +12157,8 @@
       </dsp:nvSpPr>
       <dsp:spPr>
         <a:xfrm>
-          <a:off x="640" y="540467"/>
-          <a:ext cx="2593224" cy="1244747"/>
+          <a:off x="616" y="679031"/>
+          <a:ext cx="2495401" cy="1197792"/>
         </a:xfrm>
         <a:prstGeom prst="rect">
           <a:avLst/>
@@ -12296,12 +12186,12 @@
         </a:fontRef>
       </dsp:style>
       <dsp:txBody>
-        <a:bodyPr spcFirstLastPara="0" vert="horz" wrap="square" lIns="256153" tIns="165100" rIns="256153" bIns="165100" numCol="1" spcCol="1270" anchor="ctr" anchorCtr="0">
+        <a:bodyPr spcFirstLastPara="0" vert="horz" wrap="square" lIns="246490" tIns="165100" rIns="246490" bIns="165100" numCol="1" spcCol="1270" anchor="ctr" anchorCtr="0">
           <a:noAutofit/>
         </a:bodyPr>
         <a:lstStyle/>
         <a:p>
-          <a:pPr marL="0" lvl="0" indent="0" algn="l" defTabSz="2889250">
+          <a:pPr marL="0" lvl="0" indent="0" algn="l" defTabSz="2755900">
             <a:lnSpc>
               <a:spcPct val="90000"/>
             </a:lnSpc>
@@ -12314,14 +12204,14 @@
             <a:buNone/>
           </a:pPr>
           <a:r>
-            <a:rPr lang="en-US" sz="6500" kern="1200"/>
+            <a:rPr lang="en-US" sz="6200" kern="1200"/>
             <a:t>01</a:t>
           </a:r>
         </a:p>
       </dsp:txBody>
       <dsp:txXfrm>
-        <a:off x="640" y="540467"/>
-        <a:ext cx="2593224" cy="1244747"/>
+        <a:off x="616" y="679031"/>
+        <a:ext cx="2495401" cy="1197792"/>
       </dsp:txXfrm>
     </dsp:sp>
     <dsp:sp modelId="{FA7F4DAD-087C-F940-9757-DAA3DFCC233A}">
@@ -12331,8 +12221,8 @@
       </dsp:nvSpPr>
       <dsp:spPr>
         <a:xfrm>
-          <a:off x="2801323" y="540467"/>
-          <a:ext cx="2593224" cy="3111869"/>
+          <a:off x="2695649" y="679031"/>
+          <a:ext cx="2495401" cy="2994481"/>
         </a:xfrm>
         <a:prstGeom prst="rect">
           <a:avLst/>
@@ -12373,12 +12263,12 @@
         </a:fontRef>
       </dsp:style>
       <dsp:txBody>
-        <a:bodyPr spcFirstLastPara="0" vert="horz" wrap="square" lIns="256153" tIns="0" rIns="256153" bIns="330200" numCol="1" spcCol="1270" anchor="t" anchorCtr="0">
+        <a:bodyPr spcFirstLastPara="0" vert="horz" wrap="square" lIns="246490" tIns="0" rIns="246490" bIns="330200" numCol="1" spcCol="1270" anchor="t" anchorCtr="0">
           <a:noAutofit/>
         </a:bodyPr>
         <a:lstStyle/>
         <a:p>
-          <a:pPr marL="0" lvl="0" indent="0" algn="l" defTabSz="977900">
+          <a:pPr marL="0" lvl="0" indent="0" algn="l" defTabSz="889000">
             <a:lnSpc>
               <a:spcPct val="90000"/>
             </a:lnSpc>
@@ -12391,14 +12281,14 @@
             <a:buNone/>
           </a:pPr>
           <a:r>
-            <a:rPr lang="en-US" sz="2200" kern="1200"/>
+            <a:rPr lang="en-US" sz="2000" kern="1200"/>
             <a:t>Color schemes for race/sex</a:t>
           </a:r>
         </a:p>
       </dsp:txBody>
       <dsp:txXfrm>
-        <a:off x="2801323" y="1785215"/>
-        <a:ext cx="2593224" cy="1867121"/>
+        <a:off x="2695649" y="1876823"/>
+        <a:ext cx="2495401" cy="1796688"/>
       </dsp:txXfrm>
     </dsp:sp>
     <dsp:sp modelId="{854A7EB1-7F94-244E-94E6-4981FD8D9773}">
@@ -12408,8 +12298,8 @@
       </dsp:nvSpPr>
       <dsp:spPr>
         <a:xfrm>
-          <a:off x="2801323" y="540467"/>
-          <a:ext cx="2593224" cy="1244747"/>
+          <a:off x="2695649" y="679031"/>
+          <a:ext cx="2495401" cy="1197792"/>
         </a:xfrm>
         <a:prstGeom prst="rect">
           <a:avLst/>
@@ -12437,12 +12327,12 @@
         </a:fontRef>
       </dsp:style>
       <dsp:txBody>
-        <a:bodyPr spcFirstLastPara="0" vert="horz" wrap="square" lIns="256153" tIns="165100" rIns="256153" bIns="165100" numCol="1" spcCol="1270" anchor="ctr" anchorCtr="0">
+        <a:bodyPr spcFirstLastPara="0" vert="horz" wrap="square" lIns="246490" tIns="165100" rIns="246490" bIns="165100" numCol="1" spcCol="1270" anchor="ctr" anchorCtr="0">
           <a:noAutofit/>
         </a:bodyPr>
         <a:lstStyle/>
         <a:p>
-          <a:pPr marL="0" lvl="0" indent="0" algn="l" defTabSz="2889250">
+          <a:pPr marL="0" lvl="0" indent="0" algn="l" defTabSz="2755900">
             <a:lnSpc>
               <a:spcPct val="90000"/>
             </a:lnSpc>
@@ -12455,14 +12345,14 @@
             <a:buNone/>
           </a:pPr>
           <a:r>
-            <a:rPr lang="en-US" sz="6500" kern="1200"/>
+            <a:rPr lang="en-US" sz="6200" kern="1200"/>
             <a:t>02</a:t>
           </a:r>
         </a:p>
       </dsp:txBody>
       <dsp:txXfrm>
-        <a:off x="2801323" y="540467"/>
-        <a:ext cx="2593224" cy="1244747"/>
+        <a:off x="2695649" y="679031"/>
+        <a:ext cx="2495401" cy="1197792"/>
       </dsp:txXfrm>
     </dsp:sp>
     <dsp:sp modelId="{E4964E7B-5E4D-A042-8A69-043D3BE8CB49}">
@@ -12472,8 +12362,8 @@
       </dsp:nvSpPr>
       <dsp:spPr>
         <a:xfrm>
-          <a:off x="5602005" y="540467"/>
-          <a:ext cx="2593224" cy="3111869"/>
+          <a:off x="5390682" y="679031"/>
+          <a:ext cx="2495401" cy="2994481"/>
         </a:xfrm>
         <a:prstGeom prst="rect">
           <a:avLst/>
@@ -12514,12 +12404,12 @@
         </a:fontRef>
       </dsp:style>
       <dsp:txBody>
-        <a:bodyPr spcFirstLastPara="0" vert="horz" wrap="square" lIns="256153" tIns="0" rIns="256153" bIns="330200" numCol="1" spcCol="1270" anchor="t" anchorCtr="0">
+        <a:bodyPr spcFirstLastPara="0" vert="horz" wrap="square" lIns="246490" tIns="0" rIns="246490" bIns="330200" numCol="1" spcCol="1270" anchor="t" anchorCtr="0">
           <a:noAutofit/>
         </a:bodyPr>
         <a:lstStyle/>
         <a:p>
-          <a:pPr marL="0" lvl="0" indent="0" algn="l" defTabSz="977900">
+          <a:pPr marL="0" lvl="0" indent="0" algn="l" defTabSz="889000">
             <a:lnSpc>
               <a:spcPct val="90000"/>
             </a:lnSpc>
@@ -12532,14 +12422,14 @@
             <a:buNone/>
           </a:pPr>
           <a:r>
-            <a:rPr lang="en-US" sz="2200" kern="1200"/>
+            <a:rPr lang="en-US" sz="2000" kern="1200"/>
             <a:t>Convert messy data into clean visuals</a:t>
           </a:r>
         </a:p>
       </dsp:txBody>
       <dsp:txXfrm>
-        <a:off x="5602005" y="1785215"/>
-        <a:ext cx="2593224" cy="1867121"/>
+        <a:off x="5390682" y="1876823"/>
+        <a:ext cx="2495401" cy="1796688"/>
       </dsp:txXfrm>
     </dsp:sp>
     <dsp:sp modelId="{D4518AE7-0DCF-9D41-BE78-C831AAB4BC1D}">
@@ -12549,8 +12439,8 @@
       </dsp:nvSpPr>
       <dsp:spPr>
         <a:xfrm>
-          <a:off x="5602005" y="540467"/>
-          <a:ext cx="2593224" cy="1244747"/>
+          <a:off x="5390682" y="679031"/>
+          <a:ext cx="2495401" cy="1197792"/>
         </a:xfrm>
         <a:prstGeom prst="rect">
           <a:avLst/>
@@ -12578,12 +12468,12 @@
         </a:fontRef>
       </dsp:style>
       <dsp:txBody>
-        <a:bodyPr spcFirstLastPara="0" vert="horz" wrap="square" lIns="256153" tIns="165100" rIns="256153" bIns="165100" numCol="1" spcCol="1270" anchor="ctr" anchorCtr="0">
+        <a:bodyPr spcFirstLastPara="0" vert="horz" wrap="square" lIns="246490" tIns="165100" rIns="246490" bIns="165100" numCol="1" spcCol="1270" anchor="ctr" anchorCtr="0">
           <a:noAutofit/>
         </a:bodyPr>
         <a:lstStyle/>
         <a:p>
-          <a:pPr marL="0" lvl="0" indent="0" algn="l" defTabSz="2889250">
+          <a:pPr marL="0" lvl="0" indent="0" algn="l" defTabSz="2755900">
             <a:lnSpc>
               <a:spcPct val="90000"/>
             </a:lnSpc>
@@ -12596,14 +12486,14 @@
             <a:buNone/>
           </a:pPr>
           <a:r>
-            <a:rPr lang="en-US" sz="6500" kern="1200"/>
+            <a:rPr lang="en-US" sz="6200" kern="1200"/>
             <a:t>03</a:t>
           </a:r>
         </a:p>
       </dsp:txBody>
       <dsp:txXfrm>
-        <a:off x="5602005" y="540467"/>
-        <a:ext cx="2593224" cy="1244747"/>
+        <a:off x="5390682" y="679031"/>
+        <a:ext cx="2495401" cy="1197792"/>
       </dsp:txXfrm>
     </dsp:sp>
   </dsp:spTree>
@@ -13774,9 +13664,9 @@
 </file>
 
 <file path=ppt/diagrams/layout3.xml><?xml version="1.0" encoding="utf-8"?>
-<dgm:layoutDef xmlns:dgm="http://schemas.openxmlformats.org/drawingml/2006/diagram" xmlns:a="http://schemas.openxmlformats.org/drawingml/2006/main" uniqueId="urn:microsoft.com/office/officeart/2018/2/layout/IconVerticalSolidList">
-  <dgm:title val="Icon Vertical Solid List"/>
-  <dgm:desc val="Use to show a series of visuals from top to bottom with Level 1 or Level 1 and Level 2 text grouped in a shape. Works best with icons or small pictures with lengthier descriptions."/>
+<dgm:layoutDef xmlns:dgm="http://schemas.openxmlformats.org/drawingml/2006/diagram" xmlns:a="http://schemas.openxmlformats.org/drawingml/2006/main" uniqueId="urn:microsoft.com/office/officeart/2018/2/layout/IconLabelList">
+  <dgm:title val="Icon Label List"/>
+  <dgm:desc val="Use to show non-sequential or grouped chunks of information accompanied by a related visuals. Works best with icons or small pictures with short text captions."/>
   <dgm:catLst>
     <dgm:cat type="icon" pri="500"/>
   </dgm:catLst>
@@ -13808,15 +13698,23 @@
     </dgm:varLst>
     <dgm:choose name="Name0">
       <dgm:if name="Name1" axis="self" func="var" arg="dir" op="equ" val="norm">
-        <dgm:alg type="lin">
-          <dgm:param type="linDir" val="fromT"/>
-          <dgm:param type="nodeHorzAlign" val="l"/>
+        <dgm:alg type="snake">
+          <dgm:param type="grDir" val="tL"/>
+          <dgm:param type="flowDir" val="row"/>
+          <dgm:param type="contDir" val="sameDir"/>
+          <dgm:param type="off" val="ctr"/>
+          <dgm:param type="vertAlign" val="mid"/>
+          <dgm:param type="horzAlign" val="ctr"/>
         </dgm:alg>
       </dgm:if>
       <dgm:else name="Name2">
-        <dgm:alg type="lin">
-          <dgm:param type="linDir" val="fromT"/>
-          <dgm:param type="nodeHorzAlign" val="r"/>
+        <dgm:alg type="snake">
+          <dgm:param type="grDir" val="tR"/>
+          <dgm:param type="flowDir" val="row"/>
+          <dgm:param type="contDir" val="sameDir"/>
+          <dgm:param type="off" val="ctr"/>
+          <dgm:param type="vertAlign" val="mid"/>
+          <dgm:param type="horzAlign" val="ctr"/>
         </dgm:alg>
       </dgm:else>
     </dgm:choose>
@@ -13825,139 +13723,67 @@
     </dgm:shape>
     <dgm:presOf/>
     <dgm:choose name="Name3">
-      <dgm:if name="Name4" axis="ch" ptType="node" func="cnt" op="lte" val="3">
+      <dgm:if name="Name4" axis="ch" ptType="node" func="cnt" op="lte" val="2">
         <dgm:constrLst>
-          <dgm:constr type="h" for="ch" forName="compNode" refType="h" fact="0.3"/>
-          <dgm:constr type="w" for="ch" forName="compNode" refType="w"/>
-          <dgm:constr type="h" for="ch" forName="sibTrans" refType="h" refFor="ch" refForName="compNode" fact="0.25"/>
-          <dgm:constr type="primFontSz" for="des" forName="parTx" val="25"/>
-          <dgm:constr type="primFontSz" for="des" forName="desTx" refType="primFontSz" refFor="des" refForName="parTx" op="lte" fact="0.75"/>
+          <dgm:constr type="h" for="ch" forName="compNode" refType="h" fact="0.4"/>
+          <dgm:constr type="w" for="ch" forName="compNode" val="120"/>
+          <dgm:constr type="w" for="ch" forName="sibTrans" refType="w" refFor="ch" refForName="compNode" fact="0.175"/>
+          <dgm:constr type="sp" refType="w" refFor="ch" refForName="compNode" op="equ" fact="0.25"/>
+          <dgm:constr type="primFontSz" for="des" ptType="node" op="equ" val="50"/>
           <dgm:constr type="h" for="des" forName="compNode" op="equ"/>
-          <dgm:constr type="h" for="des" forName="bgRect" op="equ"/>
-          <dgm:constr type="h" for="des" forName="iconRect" op="equ"/>
-          <dgm:constr type="w" for="des" forName="iconRect" op="equ"/>
-          <dgm:constr type="h" for="des" forName="spaceRect" op="equ"/>
-          <dgm:constr type="h" for="des" forName="parTx" op="equ"/>
-          <dgm:constr type="h" for="des" forName="desTx" op="equ"/>
+          <dgm:constr type="h" for="des" forName="textRect" op="equ"/>
         </dgm:constrLst>
       </dgm:if>
       <dgm:if name="Name5" axis="ch" ptType="node" func="cnt" op="lte" val="4">
         <dgm:constrLst>
-          <dgm:constr type="h" for="ch" forName="compNode" refType="h" fact="0.3"/>
+          <dgm:constr type="h" for="ch" forName="compNode" refType="h" fact="0.4"/>
           <dgm:constr type="w" for="ch" forName="compNode" refType="w"/>
-          <dgm:constr type="h" for="ch" forName="sibTrans" refType="h" refFor="ch" refForName="compNode" fact="0.25"/>
-          <dgm:constr type="primFontSz" for="des" forName="parTx" val="22"/>
-          <dgm:constr type="primFontSz" for="des" forName="desTx" refType="primFontSz" refFor="des" refForName="parTx" op="lte" fact="0.75"/>
+          <dgm:constr type="w" for="ch" forName="sibTrans" refType="w" refFor="ch" refForName="compNode" fact="0.175"/>
+          <dgm:constr type="sp" refType="w" refFor="ch" refForName="compNode" op="equ" fact="0.25"/>
+          <dgm:constr type="primFontSz" for="des" ptType="node" op="equ" val="36"/>
           <dgm:constr type="h" for="des" forName="compNode" op="equ"/>
-          <dgm:constr type="h" for="des" forName="bgRect" op="equ"/>
-          <dgm:constr type="h" for="des" forName="iconRect" op="equ"/>
-          <dgm:constr type="w" for="des" forName="iconRect" op="equ"/>
-          <dgm:constr type="h" for="des" forName="spaceRect" op="equ"/>
-          <dgm:constr type="h" for="des" forName="parTx" op="equ"/>
-          <dgm:constr type="h" for="des" forName="desTx" op="equ"/>
+          <dgm:constr type="h" for="des" forName="textRect" op="equ"/>
         </dgm:constrLst>
       </dgm:if>
-      <dgm:if name="Name6" axis="ch" ptType="node" func="cnt" op="lte" val="6">
+      <dgm:else name="Name6">
         <dgm:constrLst>
-          <dgm:constr type="h" for="ch" forName="compNode" refType="h" fact="0.3"/>
+          <dgm:constr type="h" for="ch" forName="compNode" refType="h" fact="0.4"/>
           <dgm:constr type="w" for="ch" forName="compNode" refType="w"/>
-          <dgm:constr type="h" for="ch" forName="sibTrans" refType="h" refFor="ch" refForName="compNode" fact="0.25"/>
-          <dgm:constr type="primFontSz" for="des" forName="parTx" val="19"/>
-          <dgm:constr type="primFontSz" for="des" forName="desTx" refType="primFontSz" refFor="des" refForName="parTx" op="lte" fact="0.75"/>
+          <dgm:constr type="w" for="ch" forName="sibTrans" refType="w" refFor="ch" refForName="compNode" fact="0.175"/>
+          <dgm:constr type="sp" refType="w" refFor="ch" refForName="compNode" op="equ" fact="0.25"/>
+          <dgm:constr type="primFontSz" for="des" ptType="node" op="equ" val="24"/>
           <dgm:constr type="h" for="des" forName="compNode" op="equ"/>
-          <dgm:constr type="h" for="des" forName="bgRect" op="equ"/>
-          <dgm:constr type="h" for="des" forName="iconRect" op="equ"/>
-          <dgm:constr type="w" for="des" forName="iconRect" op="equ"/>
-          <dgm:constr type="h" for="des" forName="spaceRect" op="equ"/>
-          <dgm:constr type="h" for="des" forName="parTx" op="equ"/>
-          <dgm:constr type="h" for="des" forName="desTx" op="equ"/>
-        </dgm:constrLst>
-      </dgm:if>
-      <dgm:else name="Name7">
-        <dgm:constrLst>
-          <dgm:constr type="h" for="ch" forName="compNode" refType="h" fact="0.3"/>
-          <dgm:constr type="w" for="ch" forName="compNode" refType="w"/>
-          <dgm:constr type="h" for="ch" forName="sibTrans" refType="h" refFor="ch" refForName="compNode" fact="0.25"/>
-          <dgm:constr type="primFontSz" for="des" forName="parTx" val="16"/>
-          <dgm:constr type="primFontSz" for="des" forName="desTx" refType="primFontSz" refFor="des" refForName="parTx" op="lte" fact="0.75"/>
-          <dgm:constr type="h" for="des" forName="compNode" op="equ"/>
-          <dgm:constr type="h" for="des" forName="bgRect" op="equ"/>
-          <dgm:constr type="h" for="des" forName="iconRect" op="equ"/>
-          <dgm:constr type="w" for="des" forName="iconRect" op="equ"/>
-          <dgm:constr type="h" for="des" forName="spaceRect" op="equ"/>
-          <dgm:constr type="h" for="des" forName="parTx" op="equ"/>
-          <dgm:constr type="h" for="des" forName="desTx" op="equ"/>
+          <dgm:constr type="h" for="des" forName="textRect" op="equ"/>
         </dgm:constrLst>
       </dgm:else>
     </dgm:choose>
     <dgm:ruleLst>
-      <dgm:rule type="h" for="ch" forName="compNode" val="0" fact="NaN" max="NaN"/>
+      <dgm:rule type="w" for="ch" forName="compNode" val="50" fact="NaN" max="NaN"/>
     </dgm:ruleLst>
-    <dgm:forEach name="Name8" axis="ch" ptType="node">
+    <dgm:forEach name="Name7" axis="ch" ptType="node">
       <dgm:layoutNode name="compNode">
         <dgm:alg type="composite"/>
         <dgm:shape xmlns:r="http://schemas.openxmlformats.org/officeDocument/2006/relationships" r:blip="">
           <dgm:adjLst/>
         </dgm:shape>
         <dgm:presOf axis="self"/>
-        <dgm:choose name="Name9">
-          <dgm:if name="Name10" axis="ch" ptType="node" func="cnt" op="gte" val="1">
-            <dgm:constrLst>
-              <dgm:constr type="w" for="ch" forName="bgRect" refType="w"/>
-              <dgm:constr type="h" for="ch" forName="bgRect" refType="h"/>
-              <dgm:constr type="l" for="ch" forName="bgRect"/>
-              <dgm:constr type="t" for="ch" forName="bgRect"/>
-              <dgm:constr type="h" for="ch" forName="iconRect" refType="h" fact="0.55"/>
-              <dgm:constr type="w" for="ch" forName="iconRect" refType="h" refFor="ch" refForName="iconRect"/>
-              <dgm:constr type="l" for="ch" forName="iconRect" refType="h" refFor="ch" refForName="iconRect" fact="0.55"/>
-              <dgm:constr type="ctrY" for="ch" forName="iconRect" refType="ctrY" refFor="ch" refForName="bgRect"/>
-              <dgm:constr type="w" for="ch" forName="spaceRect" refType="l" refFor="ch" refForName="iconRect"/>
-              <dgm:constr type="h" for="ch" forName="spaceRect" refType="h"/>
-              <dgm:constr type="l" for="ch" forName="spaceRect" refType="r" refFor="ch" refForName="iconRect"/>
-              <dgm:constr type="t" for="ch" forName="spaceRect"/>
-              <dgm:constr type="w" for="ch" forName="parTx" refType="w" fact="0.45"/>
-              <dgm:constr type="h" for="ch" forName="parTx" refType="h"/>
-              <dgm:constr type="l" for="ch" forName="parTx" refType="r" refFor="ch" refForName="spaceRect"/>
-              <dgm:constr type="t" for="ch" forName="parTx"/>
-              <dgm:constr type="h" for="ch" forName="desTx" refType="h"/>
-              <dgm:constr type="l" for="ch" forName="desTx" refType="r" refFor="ch" refForName="parTx"/>
-              <dgm:constr type="t" for="ch" forName="desTx"/>
-            </dgm:constrLst>
-          </dgm:if>
-          <dgm:else name="Name11">
-            <dgm:constrLst>
-              <dgm:constr type="w" for="ch" forName="bgRect" refType="w"/>
-              <dgm:constr type="h" for="ch" forName="bgRect" refType="h"/>
-              <dgm:constr type="l" for="ch" forName="bgRect"/>
-              <dgm:constr type="t" for="ch" forName="bgRect"/>
-              <dgm:constr type="h" for="ch" forName="iconRect" refType="h" fact="0.55"/>
-              <dgm:constr type="w" for="ch" forName="iconRect" refType="h" refFor="ch" refForName="iconRect"/>
-              <dgm:constr type="l" for="ch" forName="iconRect" refType="h" refFor="ch" refForName="iconRect" fact="0.55"/>
-              <dgm:constr type="ctrY" for="ch" forName="iconRect" refType="ctrY" refFor="ch" refForName="bgRect"/>
-              <dgm:constr type="w" for="ch" forName="spaceRect" refType="l" refFor="ch" refForName="iconRect"/>
-              <dgm:constr type="h" for="ch" forName="spaceRect" refType="h"/>
-              <dgm:constr type="l" for="ch" forName="spaceRect" refType="r" refFor="ch" refForName="iconRect"/>
-              <dgm:constr type="t" for="ch" forName="spaceRect"/>
-              <dgm:constr type="h" for="ch" forName="parTx" refType="h"/>
-              <dgm:constr type="l" for="ch" forName="parTx" refType="r" refFor="ch" refForName="spaceRect"/>
-              <dgm:constr type="t" for="ch" forName="parTx"/>
-            </dgm:constrLst>
-          </dgm:else>
-        </dgm:choose>
+        <dgm:constrLst>
+          <dgm:constr type="w" for="ch" forName="iconRect" refType="w" fact="0.45"/>
+          <dgm:constr type="h" for="ch" forName="iconRect" refType="w" refFor="ch" refForName="iconRect"/>
+          <dgm:constr type="ctrX" for="ch" forName="iconRect" refType="w" fact="0.5"/>
+          <dgm:constr type="t" for="ch" forName="iconRect"/>
+          <dgm:constr type="h" for="ch" forName="spaceRect" refType="h" fact="0.15"/>
+          <dgm:constr type="w" for="ch" forName="spaceRect" refType="w"/>
+          <dgm:constr type="l" for="ch" forName="spaceRect"/>
+          <dgm:constr type="t" for="ch" forName="spaceRect" refType="b" refFor="ch" refForName="iconRect"/>
+          <dgm:constr type="h" for="ch" forName="textRect" val="20"/>
+          <dgm:constr type="w" for="ch" forName="textRect" refType="w"/>
+          <dgm:constr type="l" for="ch" forName="textRect"/>
+          <dgm:constr type="t" for="ch" forName="textRect" refType="b" refFor="ch" refForName="spaceRect"/>
+        </dgm:constrLst>
         <dgm:ruleLst>
           <dgm:rule type="h" val="INF" fact="NaN" max="NaN"/>
         </dgm:ruleLst>
-        <dgm:layoutNode name="bgRect" styleLbl="bgShp">
-          <dgm:alg type="sp"/>
-          <dgm:shape xmlns:r="http://schemas.openxmlformats.org/officeDocument/2006/relationships" type="roundRect" r:blip="">
-            <dgm:adjLst>
-              <dgm:adj idx="1" val="0.1"/>
-            </dgm:adjLst>
-          </dgm:shape>
-          <dgm:presOf/>
-          <dgm:constrLst/>
-          <dgm:ruleLst/>
-        </dgm:layoutNode>
         <dgm:layoutNode name="iconRect" styleLbl="node1">
           <dgm:alg type="sp"/>
           <dgm:shape xmlns:r="http://schemas.openxmlformats.org/officeDocument/2006/relationships" type="rect" r:blip="" blipPhldr="1">
@@ -13976,66 +13802,31 @@
           <dgm:constrLst/>
           <dgm:ruleLst/>
         </dgm:layoutNode>
-        <dgm:layoutNode name="parTx" styleLbl="revTx">
+        <dgm:layoutNode name="textRect" styleLbl="revTx">
           <dgm:varLst>
-            <dgm:chMax val="0"/>
-            <dgm:chPref val="0"/>
+            <dgm:chMax val="1"/>
+            <dgm:chPref val="1"/>
           </dgm:varLst>
           <dgm:alg type="tx">
-            <dgm:param type="txAnchorVert" val="mid"/>
-            <dgm:param type="parTxLTRAlign" val="l"/>
-            <dgm:param type="shpTxLTRAlignCh" val="l"/>
-            <dgm:param type="parTxRTLAlign" val="r"/>
-            <dgm:param type="shpTxRTLAlignCh" val="r"/>
+            <dgm:param type="txAnchorVert" val="t"/>
           </dgm:alg>
           <dgm:shape xmlns:r="http://schemas.openxmlformats.org/officeDocument/2006/relationships" type="rect" r:blip="">
             <dgm:adjLst/>
           </dgm:shape>
           <dgm:presOf axis="self" ptType="node"/>
           <dgm:constrLst>
-            <dgm:constr type="lMarg" refType="h" fact="0.3"/>
-            <dgm:constr type="rMarg" refType="h" fact="0.3"/>
-            <dgm:constr type="tMarg" refType="h" fact="0.3"/>
-            <dgm:constr type="bMarg" refType="h" fact="0.3"/>
+            <dgm:constr type="lMarg"/>
+            <dgm:constr type="rMarg"/>
+            <dgm:constr type="tMarg"/>
+            <dgm:constr type="bMarg"/>
           </dgm:constrLst>
           <dgm:ruleLst>
-            <dgm:rule type="primFontSz" val="14" fact="NaN" max="NaN"/>
+            <dgm:rule type="primFontSz" val="11" fact="NaN" max="NaN"/>
             <dgm:rule type="h" val="INF" fact="NaN" max="NaN"/>
           </dgm:ruleLst>
         </dgm:layoutNode>
-        <dgm:choose name="Name12">
-          <dgm:if name="Name13" axis="ch" ptType="node" func="cnt" op="gte" val="1">
-            <dgm:layoutNode name="desTx" styleLbl="revTx">
-              <dgm:varLst/>
-              <dgm:alg type="tx">
-                <dgm:param type="txAnchorVertCh" val="mid"/>
-                <dgm:param type="parTxLTRAlign" val="l"/>
-                <dgm:param type="shpTxLTRAlignCh" val="l"/>
-                <dgm:param type="parTxRTLAlign" val="r"/>
-                <dgm:param type="shpTxRTLAlignCh" val="r"/>
-                <dgm:param type="stBulletLvl" val="0"/>
-              </dgm:alg>
-              <dgm:shape xmlns:r="http://schemas.openxmlformats.org/officeDocument/2006/relationships" type="rect" r:blip="">
-                <dgm:adjLst/>
-              </dgm:shape>
-              <dgm:presOf axis="des" ptType="node"/>
-              <dgm:constrLst>
-                <dgm:constr type="primFontSz" val="18"/>
-                <dgm:constr type="secFontSz" refType="primFontSz"/>
-                <dgm:constr type="lMarg" refType="h" fact="0.3"/>
-                <dgm:constr type="rMarg" refType="h" fact="0.3"/>
-                <dgm:constr type="tMarg" refType="h" fact="0.3"/>
-                <dgm:constr type="bMarg" refType="h" fact="0.3"/>
-              </dgm:constrLst>
-              <dgm:ruleLst>
-                <dgm:rule type="primFontSz" val="11" fact="NaN" max="NaN"/>
-              </dgm:ruleLst>
-            </dgm:layoutNode>
-          </dgm:if>
-          <dgm:else name="Name14"/>
-        </dgm:choose>
       </dgm:layoutNode>
-      <dgm:forEach name="Name15" axis="followSib" ptType="sibTrans" cnt="1">
+      <dgm:forEach name="Name8" axis="followSib" ptType="sibTrans" cnt="1">
         <dgm:layoutNode name="sibTrans">
           <dgm:alg type="sp"/>
           <dgm:shape xmlns:r="http://schemas.openxmlformats.org/officeDocument/2006/relationships" r:blip="">
@@ -14056,11 +13847,6 @@
             <a:spcPct val="100000"/>
           </a:lnSpc>
         </a:lvl1pPr>
-        <a:lvl2pPr>
-          <a:lnSpc>
-            <a:spcPct val="100000"/>
-          </a:lnSpc>
-        </a:lvl2pPr>
       </dgm1612:lstStyle>
     </a:ext>
   </dgm:extLst>
@@ -25074,7 +24860,7 @@
           <a:p>
             <a:fld id="{5BCAD085-E8A6-8845-BD4E-CB4CCA059FC4}" type="datetimeFigureOut">
               <a:rPr lang="en-US" smtClean="0"/>
-              <a:t>6/18/25</a:t>
+              <a:t>6/19/25</a:t>
             </a:fld>
             <a:endParaRPr lang="en-US"/>
           </a:p>
@@ -25242,7 +25028,7 @@
           <a:p>
             <a:fld id="{5BCAD085-E8A6-8845-BD4E-CB4CCA059FC4}" type="datetimeFigureOut">
               <a:rPr lang="en-US" smtClean="0"/>
-              <a:t>6/18/25</a:t>
+              <a:t>6/19/25</a:t>
             </a:fld>
             <a:endParaRPr lang="en-US"/>
           </a:p>
@@ -25420,7 +25206,7 @@
           <a:p>
             <a:fld id="{5BCAD085-E8A6-8845-BD4E-CB4CCA059FC4}" type="datetimeFigureOut">
               <a:rPr lang="en-US" smtClean="0"/>
-              <a:t>6/18/25</a:t>
+              <a:t>6/19/25</a:t>
             </a:fld>
             <a:endParaRPr lang="en-US"/>
           </a:p>
@@ -25588,7 +25374,7 @@
           <a:p>
             <a:fld id="{5BCAD085-E8A6-8845-BD4E-CB4CCA059FC4}" type="datetimeFigureOut">
               <a:rPr lang="en-US" smtClean="0"/>
-              <a:t>6/18/25</a:t>
+              <a:t>6/19/25</a:t>
             </a:fld>
             <a:endParaRPr lang="en-US"/>
           </a:p>
@@ -25833,7 +25619,7 @@
           <a:p>
             <a:fld id="{5BCAD085-E8A6-8845-BD4E-CB4CCA059FC4}" type="datetimeFigureOut">
               <a:rPr lang="en-US" smtClean="0"/>
-              <a:t>6/18/25</a:t>
+              <a:t>6/19/25</a:t>
             </a:fld>
             <a:endParaRPr lang="en-US"/>
           </a:p>
@@ -26118,7 +25904,7 @@
           <a:p>
             <a:fld id="{5BCAD085-E8A6-8845-BD4E-CB4CCA059FC4}" type="datetimeFigureOut">
               <a:rPr lang="en-US" smtClean="0"/>
-              <a:t>6/18/25</a:t>
+              <a:t>6/19/25</a:t>
             </a:fld>
             <a:endParaRPr lang="en-US"/>
           </a:p>
@@ -26537,7 +26323,7 @@
           <a:p>
             <a:fld id="{5BCAD085-E8A6-8845-BD4E-CB4CCA059FC4}" type="datetimeFigureOut">
               <a:rPr lang="en-US" smtClean="0"/>
-              <a:t>6/18/25</a:t>
+              <a:t>6/19/25</a:t>
             </a:fld>
             <a:endParaRPr lang="en-US"/>
           </a:p>
@@ -26654,7 +26440,7 @@
           <a:p>
             <a:fld id="{5BCAD085-E8A6-8845-BD4E-CB4CCA059FC4}" type="datetimeFigureOut">
               <a:rPr lang="en-US" smtClean="0"/>
-              <a:t>6/18/25</a:t>
+              <a:t>6/19/25</a:t>
             </a:fld>
             <a:endParaRPr lang="en-US"/>
           </a:p>
@@ -26749,7 +26535,7 @@
           <a:p>
             <a:fld id="{5BCAD085-E8A6-8845-BD4E-CB4CCA059FC4}" type="datetimeFigureOut">
               <a:rPr lang="en-US" smtClean="0"/>
-              <a:t>6/18/25</a:t>
+              <a:t>6/19/25</a:t>
             </a:fld>
             <a:endParaRPr lang="en-US"/>
           </a:p>
@@ -27024,7 +26810,7 @@
           <a:p>
             <a:fld id="{5BCAD085-E8A6-8845-BD4E-CB4CCA059FC4}" type="datetimeFigureOut">
               <a:rPr lang="en-US" smtClean="0"/>
-              <a:t>6/18/25</a:t>
+              <a:t>6/19/25</a:t>
             </a:fld>
             <a:endParaRPr lang="en-US"/>
           </a:p>
@@ -27276,7 +27062,7 @@
           <a:p>
             <a:fld id="{5BCAD085-E8A6-8845-BD4E-CB4CCA059FC4}" type="datetimeFigureOut">
               <a:rPr lang="en-US" smtClean="0"/>
-              <a:t>6/18/25</a:t>
+              <a:t>6/19/25</a:t>
             </a:fld>
             <a:endParaRPr lang="en-US"/>
           </a:p>
@@ -27487,7 +27273,7 @@
           <a:p>
             <a:fld id="{5BCAD085-E8A6-8845-BD4E-CB4CCA059FC4}" type="datetimeFigureOut">
               <a:rPr lang="en-US" smtClean="0"/>
-              <a:t>6/18/25</a:t>
+              <a:t>6/19/25</a:t>
             </a:fld>
             <a:endParaRPr lang="en-US"/>
           </a:p>
@@ -28500,6 +28286,85 @@
   <p:cSld>
     <p:spTree>
       <p:nvGrpSpPr>
+        <p:cNvPr id="1" name=""/>
+        <p:cNvGrpSpPr/>
+        <p:nvPr/>
+      </p:nvGrpSpPr>
+      <p:grpSpPr>
+        <a:xfrm>
+          <a:off x="0" y="0"/>
+          <a:ext cx="0" cy="0"/>
+          <a:chOff x="0" y="0"/>
+          <a:chExt cx="0" cy="0"/>
+        </a:xfrm>
+      </p:grpSpPr>
+      <p:sp>
+        <p:nvSpPr>
+          <p:cNvPr id="2" name="Title 1"/>
+          <p:cNvSpPr>
+            <a:spLocks noGrp="1"/>
+          </p:cNvSpPr>
+          <p:nvPr>
+            <p:ph type="title"/>
+          </p:nvPr>
+        </p:nvSpPr>
+        <p:spPr/>
+        <p:txBody>
+          <a:bodyPr/>
+          <a:lstStyle/>
+          <a:p>
+            <a:r>
+              <a:rPr lang="en-US" dirty="0"/>
+              <a:t>Final Thoughts</a:t>
+            </a:r>
+            <a:endParaRPr dirty="0"/>
+          </a:p>
+        </p:txBody>
+      </p:sp>
+      <p:graphicFrame>
+        <p:nvGraphicFramePr>
+          <p:cNvPr id="5" name="Content Placeholder 2">
+            <a:extLst>
+              <a:ext uri="{FF2B5EF4-FFF2-40B4-BE49-F238E27FC236}">
+                <a16:creationId xmlns:a16="http://schemas.microsoft.com/office/drawing/2014/main" id="{0D993002-25A3-D2D6-E5F5-B5E2656B0CEC}"/>
+              </a:ext>
+            </a:extLst>
+          </p:cNvPr>
+          <p:cNvGraphicFramePr>
+            <a:graphicFrameLocks noGrp="1"/>
+          </p:cNvGraphicFramePr>
+          <p:nvPr>
+            <p:ph idx="1"/>
+            <p:extLst>
+              <p:ext uri="{D42A27DB-BD31-4B8C-83A1-F6EECF244321}">
+                <p14:modId xmlns:p14="http://schemas.microsoft.com/office/powerpoint/2010/main" val="1234606770"/>
+              </p:ext>
+            </p:extLst>
+          </p:nvPr>
+        </p:nvGraphicFramePr>
+        <p:xfrm>
+          <a:off x="457200" y="1600200"/>
+          <a:ext cx="8229600" cy="4525963"/>
+        </p:xfrm>
+        <a:graphic>
+          <a:graphicData uri="http://schemas.openxmlformats.org/drawingml/2006/diagram">
+            <dgm:relIds xmlns:dgm="http://schemas.openxmlformats.org/drawingml/2006/diagram" xmlns:r="http://schemas.openxmlformats.org/officeDocument/2006/relationships" r:dm="rId2" r:lo="rId3" r:qs="rId4" r:cs="rId5"/>
+          </a:graphicData>
+        </a:graphic>
+      </p:graphicFrame>
+    </p:spTree>
+  </p:cSld>
+  <p:clrMapOvr>
+    <a:masterClrMapping/>
+  </p:clrMapOvr>
+</p:sld>
+</file>
+
+<file path=ppt/slides/slide11.xml><?xml version="1.0" encoding="utf-8"?>
+<p:sld xmlns:a="http://schemas.openxmlformats.org/drawingml/2006/main" xmlns:r="http://schemas.openxmlformats.org/officeDocument/2006/relationships" xmlns:p="http://schemas.openxmlformats.org/presentationml/2006/main">
+  <p:cSld>
+    <p:spTree>
+      <p:nvGrpSpPr>
         <p:cNvPr id="1" name="">
           <a:extLst>
             <a:ext uri="{FF2B5EF4-FFF2-40B4-BE49-F238E27FC236}">
@@ -29120,6 +28985,11 @@
           </p:cNvGraphicFramePr>
           <p:nvPr>
             <p:ph idx="1"/>
+            <p:extLst>
+              <p:ext uri="{D42A27DB-BD31-4B8C-83A1-F6EECF244321}">
+                <p14:modId xmlns:p14="http://schemas.microsoft.com/office/powerpoint/2010/main" val="1328792304"/>
+              </p:ext>
+            </p:extLst>
           </p:nvPr>
         </p:nvGraphicFramePr>
         <p:xfrm>
@@ -29711,7 +29581,7 @@
       </p:grpSpPr>
       <p:sp useBgFill="1">
         <p:nvSpPr>
-          <p:cNvPr id="28" name="Rectangle 27">
+          <p:cNvPr id="36" name="Rectangle 35">
             <a:extLst>
               <a:ext uri="{FF2B5EF4-FFF2-40B4-BE49-F238E27FC236}">
                 <a16:creationId xmlns:a16="http://schemas.microsoft.com/office/drawing/2014/main" id="{BACC6370-2D7E-4714-9D71-7542949D7D5D}"/>
@@ -29787,7 +29657,7 @@
       </p:sp>
       <p:sp>
         <p:nvSpPr>
-          <p:cNvPr id="29" name="Rectangle 28">
+          <p:cNvPr id="38" name="Rectangle 37">
             <a:extLst>
               <a:ext uri="{FF2B5EF4-FFF2-40B4-BE49-F238E27FC236}">
                 <a16:creationId xmlns:a16="http://schemas.microsoft.com/office/drawing/2014/main" id="{F68B3F68-107C-434F-AA38-110D5EA91B85}"/>
@@ -29811,7 +29681,7 @@
         <p:spPr>
           <a:xfrm flipH="1">
             <a:off x="1" y="0"/>
-            <a:ext cx="9143999" cy="1575955"/>
+            <a:ext cx="9143999" cy="2170031"/>
           </a:xfrm>
           <a:prstGeom prst="rect">
             <a:avLst/>
@@ -29829,7 +29699,7 @@
                 </a:schemeClr>
               </a:gs>
             </a:gsLst>
-            <a:lin ang="8400000" scaled="0"/>
+            <a:lin ang="19800000" scaled="0"/>
           </a:gradFill>
           <a:ln>
             <a:noFill/>
@@ -29862,7 +29732,7 @@
       </p:sp>
       <p:sp>
         <p:nvSpPr>
-          <p:cNvPr id="30" name="Rectangle 29">
+          <p:cNvPr id="40" name="Rectangle 39">
             <a:extLst>
               <a:ext uri="{FF2B5EF4-FFF2-40B4-BE49-F238E27FC236}">
                 <a16:creationId xmlns:a16="http://schemas.microsoft.com/office/drawing/2014/main" id="{AAD0DBB9-1A4B-4391-81D4-CB19F9AB918A}"/>
@@ -29884,9 +29754,9 @@
           </p:nvPr>
         </p:nvSpPr>
         <p:spPr>
-          <a:xfrm rot="10800000" flipH="1">
-            <a:off x="6096642" y="0"/>
-            <a:ext cx="3047358" cy="1576412"/>
+          <a:xfrm flipH="1">
+            <a:off x="6062114" y="0"/>
+            <a:ext cx="3072908" cy="2170661"/>
           </a:xfrm>
           <a:prstGeom prst="rect">
             <a:avLst/>
@@ -29901,7 +29771,7 @@
               </a:gs>
               <a:gs pos="100000">
                 <a:schemeClr val="accent1">
-                  <a:alpha val="79000"/>
+                  <a:alpha val="48000"/>
                 </a:schemeClr>
               </a:gs>
             </a:gsLst>
@@ -29938,7 +29808,7 @@
       </p:sp>
       <p:sp>
         <p:nvSpPr>
-          <p:cNvPr id="31" name="Rectangle 30">
+          <p:cNvPr id="42" name="Rectangle 41">
             <a:extLst>
               <a:ext uri="{FF2B5EF4-FFF2-40B4-BE49-F238E27FC236}">
                 <a16:creationId xmlns:a16="http://schemas.microsoft.com/office/drawing/2014/main" id="{063BBA22-50EA-4C4D-BE05-F1CE4E63AA56}"/>
@@ -29960,9 +29830,9 @@
           </p:nvPr>
         </p:nvSpPr>
         <p:spPr>
-          <a:xfrm rot="5400000">
-            <a:off x="3783777" y="-3783778"/>
-            <a:ext cx="1576446" cy="9144002"/>
+          <a:xfrm rot="16200000" flipH="1">
+            <a:off x="3486646" y="-3486043"/>
+            <a:ext cx="2170709" cy="9144000"/>
           </a:xfrm>
           <a:prstGeom prst="rect">
             <a:avLst/>
@@ -29971,16 +29841,17 @@
             <a:gsLst>
               <a:gs pos="23000">
                 <a:schemeClr val="accent1">
-                  <a:alpha val="0"/>
+                  <a:lumMod val="75000"/>
+                  <a:alpha val="16000"/>
                 </a:schemeClr>
               </a:gs>
               <a:gs pos="99000">
                 <a:srgbClr val="000000">
-                  <a:alpha val="74000"/>
+                  <a:alpha val="45000"/>
                 </a:srgbClr>
               </a:gs>
             </a:gsLst>
-            <a:lin ang="20400000" scaled="0"/>
+            <a:lin ang="21000000" scaled="0"/>
           </a:gradFill>
           <a:ln>
             <a:noFill/>
@@ -30007,7 +29878,7 @@
           <a:lstStyle/>
           <a:p>
             <a:pPr algn="ctr"/>
-            <a:endParaRPr lang="en-US"/>
+            <a:endParaRPr lang="en-US" dirty="0"/>
           </a:p>
         </p:txBody>
       </p:sp>
@@ -30023,8 +29894,8 @@
         </p:nvSpPr>
         <p:spPr>
           <a:xfrm>
-            <a:off x="1028697" y="348865"/>
-            <a:ext cx="7533018" cy="877729"/>
+            <a:off x="1037673" y="348865"/>
+            <a:ext cx="7288583" cy="1576446"/>
           </a:xfrm>
         </p:spPr>
         <p:txBody>
@@ -30060,14 +29931,14 @@
             <p:ph idx="1"/>
             <p:extLst>
               <p:ext uri="{D42A27DB-BD31-4B8C-83A1-F6EECF244321}">
-                <p14:modId xmlns:p14="http://schemas.microsoft.com/office/powerpoint/2010/main" val="302444261"/>
+                <p14:modId xmlns:p14="http://schemas.microsoft.com/office/powerpoint/2010/main" val="724765179"/>
               </p:ext>
             </p:extLst>
           </p:nvPr>
         </p:nvGraphicFramePr>
         <p:xfrm>
-          <a:off x="483042" y="2112579"/>
-          <a:ext cx="8195871" cy="4192805"/>
+          <a:off x="483042" y="2615979"/>
+          <a:ext cx="8195871" cy="3689405"/>
         </p:xfrm>
         <a:graphic>
           <a:graphicData uri="http://schemas.openxmlformats.org/drawingml/2006/diagram">
@@ -31104,7 +30975,7 @@
             <p:ph idx="1"/>
             <p:extLst>
               <p:ext uri="{D42A27DB-BD31-4B8C-83A1-F6EECF244321}">
-                <p14:modId xmlns:p14="http://schemas.microsoft.com/office/powerpoint/2010/main" val="1845478953"/>
+                <p14:modId xmlns:p14="http://schemas.microsoft.com/office/powerpoint/2010/main" val="455538731"/>
               </p:ext>
             </p:extLst>
           </p:nvPr>
@@ -31140,7 +31011,13 @@
     </p:bg>
     <p:spTree>
       <p:nvGrpSpPr>
-        <p:cNvPr id="1" name=""/>
+        <p:cNvPr id="1" name="">
+          <a:extLst>
+            <a:ext uri="{FF2B5EF4-FFF2-40B4-BE49-F238E27FC236}">
+              <a16:creationId xmlns:a16="http://schemas.microsoft.com/office/drawing/2014/main" id="{0A331787-6CBC-0EEB-9460-AA54E55EACB4}"/>
+            </a:ext>
+          </a:extLst>
+        </p:cNvPr>
         <p:cNvGrpSpPr/>
         <p:nvPr/>
       </p:nvGrpSpPr>
@@ -31154,10 +31031,10 @@
       </p:grpSpPr>
       <p:sp useBgFill="1">
         <p:nvSpPr>
-          <p:cNvPr id="9" name="Rectangle 8">
+          <p:cNvPr id="35" name="Rectangle 34">
             <a:extLst>
               <a:ext uri="{FF2B5EF4-FFF2-40B4-BE49-F238E27FC236}">
-                <a16:creationId xmlns:a16="http://schemas.microsoft.com/office/drawing/2014/main" id="{BACC6370-2D7E-4714-9D71-7542949D7D5D}"/>
+                <a16:creationId xmlns:a16="http://schemas.microsoft.com/office/drawing/2014/main" id="{0E30439A-8A5B-46EC-8283-9B6B031D40D0}"/>
               </a:ext>
               <a:ext uri="{C183D7F6-B498-43B3-948B-1728B52AA6E4}">
                 <adec:decorative xmlns:adec="http://schemas.microsoft.com/office/drawing/2017/decorative" val="1"/>
@@ -31230,10 +31107,10 @@
       </p:sp>
       <p:sp>
         <p:nvSpPr>
-          <p:cNvPr id="11" name="Rectangle 10">
+          <p:cNvPr id="37" name="Rectangle 36">
             <a:extLst>
               <a:ext uri="{FF2B5EF4-FFF2-40B4-BE49-F238E27FC236}">
-                <a16:creationId xmlns:a16="http://schemas.microsoft.com/office/drawing/2014/main" id="{F68B3F68-107C-434F-AA38-110D5EA91B85}"/>
+                <a16:creationId xmlns:a16="http://schemas.microsoft.com/office/drawing/2014/main" id="{5CEAD642-85CF-4750-8432-7C80C901F001}"/>
               </a:ext>
               <a:ext uri="{C183D7F6-B498-43B3-948B-1728B52AA6E4}">
                 <adec:decorative xmlns:adec="http://schemas.microsoft.com/office/drawing/2017/decorative" val="1"/>
@@ -31252,9 +31129,9 @@
           </p:nvPr>
         </p:nvSpPr>
         <p:spPr>
-          <a:xfrm flipH="1">
-            <a:off x="1" y="0"/>
-            <a:ext cx="9143999" cy="1575955"/>
+          <a:xfrm>
+            <a:off x="0" y="-427"/>
+            <a:ext cx="9144000" cy="6858000"/>
           </a:xfrm>
           <a:prstGeom prst="rect">
             <a:avLst/>
@@ -31262,9 +31139,7 @@
           <a:gradFill>
             <a:gsLst>
               <a:gs pos="0">
-                <a:srgbClr val="000000">
-                  <a:alpha val="96000"/>
-                </a:srgbClr>
+                <a:srgbClr val="000000"/>
               </a:gs>
               <a:gs pos="100000">
                 <a:schemeClr val="accent1">
@@ -31272,7 +31147,7 @@
                 </a:schemeClr>
               </a:gs>
             </a:gsLst>
-            <a:lin ang="8400000" scaled="0"/>
+            <a:lin ang="15000000" scaled="0"/>
           </a:gradFill>
           <a:ln>
             <a:noFill/>
@@ -31305,10 +31180,10 @@
       </p:sp>
       <p:sp>
         <p:nvSpPr>
-          <p:cNvPr id="13" name="Rectangle 12">
+          <p:cNvPr id="39" name="Rectangle 38">
             <a:extLst>
               <a:ext uri="{FF2B5EF4-FFF2-40B4-BE49-F238E27FC236}">
-                <a16:creationId xmlns:a16="http://schemas.microsoft.com/office/drawing/2014/main" id="{AAD0DBB9-1A4B-4391-81D4-CB19F9AB918A}"/>
+                <a16:creationId xmlns:a16="http://schemas.microsoft.com/office/drawing/2014/main" id="{FA33EEAE-15D5-4119-8C1E-89D943F911EF}"/>
               </a:ext>
               <a:ext uri="{C183D7F6-B498-43B3-948B-1728B52AA6E4}">
                 <adec:decorative xmlns:adec="http://schemas.microsoft.com/office/drawing/2017/decorative" val="1"/>
@@ -31328,27 +31203,27 @@
         </p:nvSpPr>
         <p:spPr>
           <a:xfrm rot="10800000" flipH="1">
-            <a:off x="6096642" y="0"/>
-            <a:ext cx="3047358" cy="1576412"/>
+            <a:off x="341640" y="-1720"/>
+            <a:ext cx="8812530" cy="6840685"/>
           </a:xfrm>
           <a:prstGeom prst="rect">
             <a:avLst/>
           </a:prstGeom>
           <a:gradFill>
             <a:gsLst>
-              <a:gs pos="19000">
+              <a:gs pos="21000">
                 <a:schemeClr val="accent1">
                   <a:lumMod val="50000"/>
-                  <a:alpha val="68000"/>
+                  <a:alpha val="61000"/>
                 </a:schemeClr>
               </a:gs>
               <a:gs pos="100000">
                 <a:schemeClr val="accent1">
-                  <a:alpha val="79000"/>
+                  <a:alpha val="0"/>
                 </a:schemeClr>
               </a:gs>
             </a:gsLst>
-            <a:lin ang="19200000" scaled="0"/>
+            <a:lin ang="21594000" scaled="0"/>
           </a:gradFill>
           <a:ln>
             <a:noFill/>
@@ -31381,10 +31256,10 @@
       </p:sp>
       <p:sp>
         <p:nvSpPr>
-          <p:cNvPr id="15" name="Rectangle 14">
+          <p:cNvPr id="41" name="Rectangle 40">
             <a:extLst>
               <a:ext uri="{FF2B5EF4-FFF2-40B4-BE49-F238E27FC236}">
-                <a16:creationId xmlns:a16="http://schemas.microsoft.com/office/drawing/2014/main" id="{063BBA22-50EA-4C4D-BE05-F1CE4E63AA56}"/>
+                <a16:creationId xmlns:a16="http://schemas.microsoft.com/office/drawing/2014/main" id="{730D8B3B-9B80-4025-B934-26DC7D7CD231}"/>
               </a:ext>
               <a:ext uri="{C183D7F6-B498-43B3-948B-1728B52AA6E4}">
                 <adec:decorative xmlns:adec="http://schemas.microsoft.com/office/drawing/2017/decorative" val="1"/>
@@ -31403,27 +31278,105 @@
           </p:nvPr>
         </p:nvSpPr>
         <p:spPr>
-          <a:xfrm rot="5400000">
-            <a:off x="3783777" y="-3783778"/>
-            <a:ext cx="1576446" cy="9144002"/>
+          <a:xfrm>
+            <a:off x="6454540" y="-1291"/>
+            <a:ext cx="2706134" cy="6858864"/>
           </a:xfrm>
           <a:prstGeom prst="rect">
             <a:avLst/>
           </a:prstGeom>
           <a:gradFill>
             <a:gsLst>
-              <a:gs pos="23000">
+              <a:gs pos="0">
                 <a:schemeClr val="accent1">
+                  <a:lumMod val="75000"/>
                   <a:alpha val="0"/>
                 </a:schemeClr>
               </a:gs>
               <a:gs pos="99000">
                 <a:srgbClr val="000000">
-                  <a:alpha val="74000"/>
+                  <a:alpha val="41000"/>
                 </a:srgbClr>
               </a:gs>
             </a:gsLst>
-            <a:lin ang="20400000" scaled="0"/>
+            <a:lin ang="16200000" scaled="0"/>
+          </a:gradFill>
+          <a:ln>
+            <a:noFill/>
+          </a:ln>
+        </p:spPr>
+        <p:style>
+          <a:lnRef idx="2">
+            <a:schemeClr val="accent1">
+              <a:shade val="50000"/>
+            </a:schemeClr>
+          </a:lnRef>
+          <a:fillRef idx="1">
+            <a:schemeClr val="accent1"/>
+          </a:fillRef>
+          <a:effectRef idx="0">
+            <a:schemeClr val="accent1"/>
+          </a:effectRef>
+          <a:fontRef idx="minor">
+            <a:schemeClr val="lt1"/>
+          </a:fontRef>
+        </p:style>
+        <p:txBody>
+          <a:bodyPr rtlCol="0" anchor="ctr"/>
+          <a:lstStyle/>
+          <a:p>
+            <a:pPr algn="ctr"/>
+            <a:endParaRPr lang="en-US"/>
+          </a:p>
+        </p:txBody>
+      </p:sp>
+      <p:sp>
+        <p:nvSpPr>
+          <p:cNvPr id="43" name="Oval 42">
+            <a:extLst>
+              <a:ext uri="{FF2B5EF4-FFF2-40B4-BE49-F238E27FC236}">
+                <a16:creationId xmlns:a16="http://schemas.microsoft.com/office/drawing/2014/main" id="{B5A1B09C-1565-46F8-B70F-621C5EB48A09}"/>
+              </a:ext>
+              <a:ext uri="{C183D7F6-B498-43B3-948B-1728B52AA6E4}">
+                <adec:decorative xmlns:adec="http://schemas.microsoft.com/office/drawing/2017/decorative" val="1"/>
+              </a:ext>
+            </a:extLst>
+          </p:cNvPr>
+          <p:cNvSpPr>
+            <a:spLocks noGrp="1" noRot="1" noChangeAspect="1" noMove="1" noResize="1" noEditPoints="1" noAdjustHandles="1" noChangeArrowheads="1" noChangeShapeType="1" noTextEdit="1"/>
+          </p:cNvSpPr>
+          <p:nvPr>
+            <p:extLst>
+              <p:ext uri="{386F3935-93C4-4BCD-93E2-E3B085C9AB24}">
+                <p16:designElem xmlns:p16="http://schemas.microsoft.com/office/powerpoint/2015/main" val="1"/>
+              </p:ext>
+            </p:extLst>
+          </p:nvPr>
+        </p:nvSpPr>
+        <p:spPr>
+          <a:xfrm rot="15274173">
+            <a:off x="3923854" y="1402819"/>
+            <a:ext cx="4967533" cy="3741293"/>
+          </a:xfrm>
+          <a:prstGeom prst="ellipse">
+            <a:avLst/>
+          </a:prstGeom>
+          <a:gradFill>
+            <a:gsLst>
+              <a:gs pos="0">
+                <a:schemeClr val="accent1">
+                  <a:alpha val="24000"/>
+                </a:schemeClr>
+              </a:gs>
+              <a:gs pos="79000">
+                <a:schemeClr val="accent1">
+                  <a:lumMod val="60000"/>
+                  <a:lumOff val="40000"/>
+                  <a:alpha val="0"/>
+                </a:schemeClr>
+              </a:gs>
+            </a:gsLst>
+            <a:lin ang="14400000" scaled="0"/>
           </a:gradFill>
           <a:ln>
             <a:noFill/>
@@ -31456,6 +31409,352 @@
       </p:sp>
       <p:sp>
         <p:nvSpPr>
+          <p:cNvPr id="2" name="Title 1">
+            <a:extLst>
+              <a:ext uri="{FF2B5EF4-FFF2-40B4-BE49-F238E27FC236}">
+                <a16:creationId xmlns:a16="http://schemas.microsoft.com/office/drawing/2014/main" id="{DC6329B4-720D-8AA7-A2E4-5ACA61964529}"/>
+              </a:ext>
+            </a:extLst>
+          </p:cNvPr>
+          <p:cNvSpPr>
+            <a:spLocks noGrp="1"/>
+          </p:cNvSpPr>
+          <p:nvPr>
+            <p:ph type="title"/>
+          </p:nvPr>
+        </p:nvSpPr>
+        <p:spPr>
+          <a:xfrm>
+            <a:off x="1040148" y="818984"/>
+            <a:ext cx="4947184" cy="3268520"/>
+          </a:xfrm>
+        </p:spPr>
+        <p:txBody>
+          <a:bodyPr vert="horz" lIns="91440" tIns="45720" rIns="91440" bIns="45720" rtlCol="0" anchor="b">
+            <a:normAutofit/>
+          </a:bodyPr>
+          <a:lstStyle/>
+          <a:p>
+            <a:pPr algn="r" defTabSz="914400">
+              <a:lnSpc>
+                <a:spcPct val="90000"/>
+              </a:lnSpc>
+            </a:pPr>
+            <a:r>
+              <a:rPr lang="en-US" sz="4200" kern="1200" dirty="0">
+                <a:solidFill>
+                  <a:srgbClr val="FFFFFF"/>
+                </a:solidFill>
+                <a:latin typeface="+mj-lt"/>
+                <a:ea typeface="+mj-ea"/>
+                <a:cs typeface="+mj-cs"/>
+              </a:rPr>
+              <a:t>Let’s go to ChatGPT / </a:t>
+            </a:r>
+            <a:r>
+              <a:rPr lang="en-US" sz="4200" dirty="0">
+                <a:solidFill>
+                  <a:srgbClr val="FFFFFF"/>
+                </a:solidFill>
+              </a:rPr>
+              <a:t>O</a:t>
+            </a:r>
+            <a:r>
+              <a:rPr lang="en-US" sz="4200" kern="1200" dirty="0">
+                <a:solidFill>
+                  <a:srgbClr val="FFFFFF"/>
+                </a:solidFill>
+                <a:latin typeface="+mj-lt"/>
+                <a:ea typeface="+mj-ea"/>
+                <a:cs typeface="+mj-cs"/>
+              </a:rPr>
+              <a:t>pen a </a:t>
+            </a:r>
+            <a:r>
+              <a:rPr lang="en-US" sz="4200" dirty="0" err="1">
+                <a:solidFill>
+                  <a:srgbClr val="FFFFFF"/>
+                </a:solidFill>
+              </a:rPr>
+              <a:t>J</a:t>
+            </a:r>
+            <a:r>
+              <a:rPr lang="en-US" sz="4200" kern="1200" dirty="0" err="1">
+                <a:solidFill>
+                  <a:srgbClr val="FFFFFF"/>
+                </a:solidFill>
+                <a:latin typeface="+mj-lt"/>
+                <a:ea typeface="+mj-ea"/>
+                <a:cs typeface="+mj-cs"/>
+              </a:rPr>
+              <a:t>upyter</a:t>
+            </a:r>
+            <a:r>
+              <a:rPr lang="en-US" sz="4200" kern="1200" dirty="0">
+                <a:solidFill>
+                  <a:srgbClr val="FFFFFF"/>
+                </a:solidFill>
+                <a:latin typeface="+mj-lt"/>
+                <a:ea typeface="+mj-ea"/>
+                <a:cs typeface="+mj-cs"/>
+              </a:rPr>
+              <a:t> notebook</a:t>
+            </a:r>
+          </a:p>
+        </p:txBody>
+      </p:sp>
+      <p:sp>
+        <p:nvSpPr>
+          <p:cNvPr id="45" name="Rectangle 44">
+            <a:extLst>
+              <a:ext uri="{FF2B5EF4-FFF2-40B4-BE49-F238E27FC236}">
+                <a16:creationId xmlns:a16="http://schemas.microsoft.com/office/drawing/2014/main" id="{8C516CC8-80AC-446C-A56E-9F54B7210402}"/>
+              </a:ext>
+              <a:ext uri="{C183D7F6-B498-43B3-948B-1728B52AA6E4}">
+                <adec:decorative xmlns:adec="http://schemas.microsoft.com/office/drawing/2017/decorative" val="1"/>
+              </a:ext>
+            </a:extLst>
+          </p:cNvPr>
+          <p:cNvSpPr>
+            <a:spLocks noGrp="1" noRot="1" noChangeAspect="1" noMove="1" noResize="1" noEditPoints="1" noAdjustHandles="1" noChangeArrowheads="1" noChangeShapeType="1" noTextEdit="1"/>
+          </p:cNvSpPr>
+          <p:nvPr>
+            <p:extLst>
+              <p:ext uri="{386F3935-93C4-4BCD-93E2-E3B085C9AB24}">
+                <p16:designElem xmlns:p16="http://schemas.microsoft.com/office/powerpoint/2015/main" val="1"/>
+              </p:ext>
+            </p:extLst>
+          </p:nvPr>
+        </p:nvSpPr>
+        <p:spPr>
+          <a:xfrm rot="10800000" flipH="1">
+            <a:off x="4735" y="4480038"/>
+            <a:ext cx="9134528" cy="2377962"/>
+          </a:xfrm>
+          <a:prstGeom prst="rect">
+            <a:avLst/>
+          </a:prstGeom>
+          <a:gradFill>
+            <a:gsLst>
+              <a:gs pos="0">
+                <a:schemeClr val="accent1">
+                  <a:lumMod val="75000"/>
+                  <a:alpha val="50000"/>
+                </a:schemeClr>
+              </a:gs>
+              <a:gs pos="99000">
+                <a:srgbClr val="000000">
+                  <a:alpha val="34000"/>
+                </a:srgbClr>
+              </a:gs>
+            </a:gsLst>
+            <a:lin ang="17400000" scaled="0"/>
+          </a:gradFill>
+          <a:ln>
+            <a:noFill/>
+          </a:ln>
+        </p:spPr>
+        <p:style>
+          <a:lnRef idx="2">
+            <a:schemeClr val="accent1">
+              <a:shade val="50000"/>
+            </a:schemeClr>
+          </a:lnRef>
+          <a:fillRef idx="1">
+            <a:schemeClr val="accent1"/>
+          </a:fillRef>
+          <a:effectRef idx="0">
+            <a:schemeClr val="accent1"/>
+          </a:effectRef>
+          <a:fontRef idx="minor">
+            <a:schemeClr val="lt1"/>
+          </a:fontRef>
+        </p:style>
+        <p:txBody>
+          <a:bodyPr rtlCol="0" anchor="ctr"/>
+          <a:lstStyle/>
+          <a:p>
+            <a:pPr algn="ctr"/>
+            <a:endParaRPr lang="en-US"/>
+          </a:p>
+        </p:txBody>
+      </p:sp>
+      <p:sp>
+        <p:nvSpPr>
+          <p:cNvPr id="47" name="Rectangle 46">
+            <a:extLst>
+              <a:ext uri="{FF2B5EF4-FFF2-40B4-BE49-F238E27FC236}">
+                <a16:creationId xmlns:a16="http://schemas.microsoft.com/office/drawing/2014/main" id="{53947E58-F088-49F1-A3D1-DEA690192E84}"/>
+              </a:ext>
+              <a:ext uri="{C183D7F6-B498-43B3-948B-1728B52AA6E4}">
+                <adec:decorative xmlns:adec="http://schemas.microsoft.com/office/drawing/2017/decorative" val="1"/>
+              </a:ext>
+            </a:extLst>
+          </p:cNvPr>
+          <p:cNvSpPr>
+            <a:spLocks noGrp="1" noRot="1" noChangeAspect="1" noMove="1" noResize="1" noEditPoints="1" noAdjustHandles="1" noChangeArrowheads="1" noChangeShapeType="1" noTextEdit="1"/>
+          </p:cNvSpPr>
+          <p:nvPr>
+            <p:extLst>
+              <p:ext uri="{386F3935-93C4-4BCD-93E2-E3B085C9AB24}">
+                <p16:designElem xmlns:p16="http://schemas.microsoft.com/office/powerpoint/2015/main" val="1"/>
+              </p:ext>
+            </p:extLst>
+          </p:nvPr>
+        </p:nvSpPr>
+        <p:spPr>
+          <a:xfrm rot="16200000" flipH="1">
+            <a:off x="4368117" y="2081692"/>
+            <a:ext cx="6857572" cy="2694194"/>
+          </a:xfrm>
+          <a:prstGeom prst="rect">
+            <a:avLst/>
+          </a:prstGeom>
+          <a:gradFill>
+            <a:gsLst>
+              <a:gs pos="0">
+                <a:schemeClr val="accent1">
+                  <a:lumMod val="75000"/>
+                  <a:alpha val="50000"/>
+                </a:schemeClr>
+              </a:gs>
+              <a:gs pos="99000">
+                <a:srgbClr val="000000">
+                  <a:alpha val="0"/>
+                </a:srgbClr>
+              </a:gs>
+            </a:gsLst>
+            <a:lin ang="15600000" scaled="0"/>
+          </a:gradFill>
+          <a:ln>
+            <a:noFill/>
+          </a:ln>
+        </p:spPr>
+        <p:style>
+          <a:lnRef idx="2">
+            <a:schemeClr val="accent1">
+              <a:shade val="50000"/>
+            </a:schemeClr>
+          </a:lnRef>
+          <a:fillRef idx="1">
+            <a:schemeClr val="accent1"/>
+          </a:fillRef>
+          <a:effectRef idx="0">
+            <a:schemeClr val="accent1"/>
+          </a:effectRef>
+          <a:fontRef idx="minor">
+            <a:schemeClr val="lt1"/>
+          </a:fontRef>
+        </p:style>
+        <p:txBody>
+          <a:bodyPr rtlCol="0" anchor="ctr"/>
+          <a:lstStyle/>
+          <a:p>
+            <a:pPr algn="ctr"/>
+            <a:endParaRPr lang="en-US"/>
+          </a:p>
+        </p:txBody>
+      </p:sp>
+    </p:spTree>
+    <p:extLst>
+      <p:ext uri="{BB962C8B-B14F-4D97-AF65-F5344CB8AC3E}">
+        <p14:creationId xmlns:p14="http://schemas.microsoft.com/office/powerpoint/2010/main" val="292939660"/>
+      </p:ext>
+    </p:extLst>
+  </p:cSld>
+  <p:clrMapOvr>
+    <a:masterClrMapping/>
+  </p:clrMapOvr>
+</p:sld>
+</file>
+
+<file path=ppt/slides/slide8.xml><?xml version="1.0" encoding="utf-8"?>
+<p:sld xmlns:a="http://schemas.openxmlformats.org/drawingml/2006/main" xmlns:r="http://schemas.openxmlformats.org/officeDocument/2006/relationships" xmlns:p="http://schemas.openxmlformats.org/presentationml/2006/main">
+  <p:cSld>
+    <p:bg>
+      <p:bgPr>
+        <a:solidFill>
+          <a:schemeClr val="bg1"/>
+        </a:solidFill>
+        <a:effectLst/>
+      </p:bgPr>
+    </p:bg>
+    <p:spTree>
+      <p:nvGrpSpPr>
+        <p:cNvPr id="1" name=""/>
+        <p:cNvGrpSpPr/>
+        <p:nvPr/>
+      </p:nvGrpSpPr>
+      <p:grpSpPr>
+        <a:xfrm>
+          <a:off x="0" y="0"/>
+          <a:ext cx="0" cy="0"/>
+          <a:chOff x="0" y="0"/>
+          <a:chExt cx="0" cy="0"/>
+        </a:xfrm>
+      </p:grpSpPr>
+      <p:sp useBgFill="1">
+        <p:nvSpPr>
+          <p:cNvPr id="28" name="Rectangle 27">
+            <a:extLst>
+              <a:ext uri="{FF2B5EF4-FFF2-40B4-BE49-F238E27FC236}">
+                <a16:creationId xmlns:a16="http://schemas.microsoft.com/office/drawing/2014/main" id="{955A2079-FA98-4876-80F0-72364A7D2EA4}"/>
+              </a:ext>
+              <a:ext uri="{C183D7F6-B498-43B3-948B-1728B52AA6E4}">
+                <adec:decorative xmlns:adec="http://schemas.microsoft.com/office/drawing/2017/decorative" val="1"/>
+              </a:ext>
+            </a:extLst>
+          </p:cNvPr>
+          <p:cNvSpPr>
+            <a:spLocks noGrp="1" noRot="1" noChangeAspect="1" noMove="1" noResize="1" noEditPoints="1" noAdjustHandles="1" noChangeArrowheads="1" noChangeShapeType="1" noTextEdit="1"/>
+          </p:cNvSpPr>
+          <p:nvPr>
+            <p:extLst>
+              <p:ext uri="{386F3935-93C4-4BCD-93E2-E3B085C9AB24}">
+                <p16:designElem xmlns:p16="http://schemas.microsoft.com/office/powerpoint/2015/main" val="1"/>
+              </p:ext>
+            </p:extLst>
+          </p:nvPr>
+        </p:nvSpPr>
+        <p:spPr>
+          <a:xfrm>
+            <a:off x="0" y="0"/>
+            <a:ext cx="9141713" cy="6858000"/>
+          </a:xfrm>
+          <a:prstGeom prst="rect">
+            <a:avLst/>
+          </a:prstGeom>
+          <a:ln>
+            <a:noFill/>
+          </a:ln>
+        </p:spPr>
+        <p:style>
+          <a:lnRef idx="2">
+            <a:schemeClr val="accent1">
+              <a:shade val="50000"/>
+            </a:schemeClr>
+          </a:lnRef>
+          <a:fillRef idx="1">
+            <a:schemeClr val="accent1"/>
+          </a:fillRef>
+          <a:effectRef idx="0">
+            <a:schemeClr val="accent1"/>
+          </a:effectRef>
+          <a:fontRef idx="minor">
+            <a:schemeClr val="lt1"/>
+          </a:fontRef>
+        </p:style>
+        <p:txBody>
+          <a:bodyPr rtlCol="0" anchor="ctr"/>
+          <a:lstStyle/>
+          <a:p>
+            <a:pPr algn="ctr"/>
+            <a:endParaRPr lang="en-US"/>
+          </a:p>
+        </p:txBody>
+      </p:sp>
+      <p:sp>
+        <p:nvSpPr>
           <p:cNvPr id="2" name="Title 1"/>
           <p:cNvSpPr>
             <a:spLocks noGrp="1"/>
@@ -31466,22 +31765,18 @@
         </p:nvSpPr>
         <p:spPr>
           <a:xfrm>
-            <a:off x="1028697" y="348865"/>
-            <a:ext cx="7533018" cy="877729"/>
+            <a:off x="628650" y="557188"/>
+            <a:ext cx="7886700" cy="1133499"/>
           </a:xfrm>
         </p:spPr>
         <p:txBody>
-          <a:bodyPr anchor="ctr">
+          <a:bodyPr>
             <a:normAutofit/>
           </a:bodyPr>
           <a:lstStyle/>
           <a:p>
             <a:r>
-              <a:rPr lang="en-US" sz="3500">
-                <a:solidFill>
-                  <a:srgbClr val="FFFFFF"/>
-                </a:solidFill>
-              </a:rPr>
+              <a:rPr lang="en-US" sz="4500"/>
               <a:t>Visualization Tips</a:t>
             </a:r>
           </a:p>
@@ -31503,14 +31798,14 @@
             <p:ph idx="1"/>
             <p:extLst>
               <p:ext uri="{D42A27DB-BD31-4B8C-83A1-F6EECF244321}">
-                <p14:modId xmlns:p14="http://schemas.microsoft.com/office/powerpoint/2010/main" val="3176132348"/>
+                <p14:modId xmlns:p14="http://schemas.microsoft.com/office/powerpoint/2010/main" val="2039410201"/>
               </p:ext>
             </p:extLst>
           </p:nvPr>
         </p:nvGraphicFramePr>
         <p:xfrm>
-          <a:off x="483042" y="2112579"/>
-          <a:ext cx="8195871" cy="4192805"/>
+          <a:off x="628650" y="1828800"/>
+          <a:ext cx="7886700" cy="4352544"/>
         </p:xfrm>
         <a:graphic>
           <a:graphicData uri="http://schemas.openxmlformats.org/drawingml/2006/diagram">
@@ -31526,7 +31821,7 @@
 </p:sld>
 </file>
 
-<file path=ppt/slides/slide8.xml><?xml version="1.0" encoding="utf-8"?>
+<file path=ppt/slides/slide9.xml><?xml version="1.0" encoding="utf-8"?>
 <p:sld xmlns:a="http://schemas.openxmlformats.org/drawingml/2006/main" xmlns:r="http://schemas.openxmlformats.org/officeDocument/2006/relationships" xmlns:p="http://schemas.openxmlformats.org/presentationml/2006/main">
   <p:cSld>
     <p:spTree>
@@ -31578,85 +31873,6 @@
           </p:cNvGraphicFramePr>
           <p:nvPr>
             <p:ph idx="1"/>
-          </p:nvPr>
-        </p:nvGraphicFramePr>
-        <p:xfrm>
-          <a:off x="457200" y="1600200"/>
-          <a:ext cx="8229600" cy="4525963"/>
-        </p:xfrm>
-        <a:graphic>
-          <a:graphicData uri="http://schemas.openxmlformats.org/drawingml/2006/diagram">
-            <dgm:relIds xmlns:dgm="http://schemas.openxmlformats.org/drawingml/2006/diagram" xmlns:r="http://schemas.openxmlformats.org/officeDocument/2006/relationships" r:dm="rId2" r:lo="rId3" r:qs="rId4" r:cs="rId5"/>
-          </a:graphicData>
-        </a:graphic>
-      </p:graphicFrame>
-    </p:spTree>
-  </p:cSld>
-  <p:clrMapOvr>
-    <a:masterClrMapping/>
-  </p:clrMapOvr>
-</p:sld>
-</file>
-
-<file path=ppt/slides/slide9.xml><?xml version="1.0" encoding="utf-8"?>
-<p:sld xmlns:a="http://schemas.openxmlformats.org/drawingml/2006/main" xmlns:r="http://schemas.openxmlformats.org/officeDocument/2006/relationships" xmlns:p="http://schemas.openxmlformats.org/presentationml/2006/main">
-  <p:cSld>
-    <p:spTree>
-      <p:nvGrpSpPr>
-        <p:cNvPr id="1" name=""/>
-        <p:cNvGrpSpPr/>
-        <p:nvPr/>
-      </p:nvGrpSpPr>
-      <p:grpSpPr>
-        <a:xfrm>
-          <a:off x="0" y="0"/>
-          <a:ext cx="0" cy="0"/>
-          <a:chOff x="0" y="0"/>
-          <a:chExt cx="0" cy="0"/>
-        </a:xfrm>
-      </p:grpSpPr>
-      <p:sp>
-        <p:nvSpPr>
-          <p:cNvPr id="2" name="Title 1"/>
-          <p:cNvSpPr>
-            <a:spLocks noGrp="1"/>
-          </p:cNvSpPr>
-          <p:nvPr>
-            <p:ph type="title"/>
-          </p:nvPr>
-        </p:nvSpPr>
-        <p:spPr/>
-        <p:txBody>
-          <a:bodyPr/>
-          <a:lstStyle/>
-          <a:p>
-            <a:r>
-              <a:rPr lang="en-US" dirty="0"/>
-              <a:t>Final Thoughts</a:t>
-            </a:r>
-            <a:endParaRPr dirty="0"/>
-          </a:p>
-        </p:txBody>
-      </p:sp>
-      <p:graphicFrame>
-        <p:nvGraphicFramePr>
-          <p:cNvPr id="5" name="Content Placeholder 2">
-            <a:extLst>
-              <a:ext uri="{FF2B5EF4-FFF2-40B4-BE49-F238E27FC236}">
-                <a16:creationId xmlns:a16="http://schemas.microsoft.com/office/drawing/2014/main" id="{0D993002-25A3-D2D6-E5F5-B5E2656B0CEC}"/>
-              </a:ext>
-            </a:extLst>
-          </p:cNvPr>
-          <p:cNvGraphicFramePr>
-            <a:graphicFrameLocks noGrp="1"/>
-          </p:cNvGraphicFramePr>
-          <p:nvPr>
-            <p:ph idx="1"/>
-            <p:extLst>
-              <p:ext uri="{D42A27DB-BD31-4B8C-83A1-F6EECF244321}">
-                <p14:modId xmlns:p14="http://schemas.microsoft.com/office/powerpoint/2010/main" val="1234606770"/>
-              </p:ext>
-            </p:extLst>
           </p:nvPr>
         </p:nvGraphicFramePr>
         <p:xfrm>
